--- a/Final_presentation_draft.pptx
+++ b/Final_presentation_draft.pptx
@@ -7,8 +7,10 @@
   <p:sldIdLst>
     <p:sldId id="256" r:id="rId2"/>
     <p:sldId id="257" r:id="rId3"/>
-    <p:sldId id="258" r:id="rId4"/>
-    <p:sldId id="259" r:id="rId5"/>
+    <p:sldId id="260" r:id="rId4"/>
+    <p:sldId id="261" r:id="rId5"/>
+    <p:sldId id="258" r:id="rId6"/>
+    <p:sldId id="259" r:id="rId7"/>
   </p:sldIdLst>
   <p:sldSz cx="12192000" cy="6858000"/>
   <p:notesSz cx="6858000" cy="9144000"/>
@@ -276,7 +278,7 @@
           <a:p>
             <a:fld id="{377FF098-CDFA-4D8A-A977-0D920ED29423}" type="datetimeFigureOut">
               <a:rPr lang="en-GB" smtClean="0"/>
-              <a:t>24/12/2021</a:t>
+              <a:t>25/12/2021</a:t>
             </a:fld>
             <a:endParaRPr lang="en-GB"/>
           </a:p>
@@ -476,7 +478,7 @@
           <a:p>
             <a:fld id="{377FF098-CDFA-4D8A-A977-0D920ED29423}" type="datetimeFigureOut">
               <a:rPr lang="en-GB" smtClean="0"/>
-              <a:t>24/12/2021</a:t>
+              <a:t>25/12/2021</a:t>
             </a:fld>
             <a:endParaRPr lang="en-GB"/>
           </a:p>
@@ -686,7 +688,7 @@
           <a:p>
             <a:fld id="{377FF098-CDFA-4D8A-A977-0D920ED29423}" type="datetimeFigureOut">
               <a:rPr lang="en-GB" smtClean="0"/>
-              <a:t>24/12/2021</a:t>
+              <a:t>25/12/2021</a:t>
             </a:fld>
             <a:endParaRPr lang="en-GB"/>
           </a:p>
@@ -886,7 +888,7 @@
           <a:p>
             <a:fld id="{377FF098-CDFA-4D8A-A977-0D920ED29423}" type="datetimeFigureOut">
               <a:rPr lang="en-GB" smtClean="0"/>
-              <a:t>24/12/2021</a:t>
+              <a:t>25/12/2021</a:t>
             </a:fld>
             <a:endParaRPr lang="en-GB"/>
           </a:p>
@@ -1162,7 +1164,7 @@
           <a:p>
             <a:fld id="{377FF098-CDFA-4D8A-A977-0D920ED29423}" type="datetimeFigureOut">
               <a:rPr lang="en-GB" smtClean="0"/>
-              <a:t>24/12/2021</a:t>
+              <a:t>25/12/2021</a:t>
             </a:fld>
             <a:endParaRPr lang="en-GB"/>
           </a:p>
@@ -1430,7 +1432,7 @@
           <a:p>
             <a:fld id="{377FF098-CDFA-4D8A-A977-0D920ED29423}" type="datetimeFigureOut">
               <a:rPr lang="en-GB" smtClean="0"/>
-              <a:t>24/12/2021</a:t>
+              <a:t>25/12/2021</a:t>
             </a:fld>
             <a:endParaRPr lang="en-GB"/>
           </a:p>
@@ -1845,7 +1847,7 @@
           <a:p>
             <a:fld id="{377FF098-CDFA-4D8A-A977-0D920ED29423}" type="datetimeFigureOut">
               <a:rPr lang="en-GB" smtClean="0"/>
-              <a:t>24/12/2021</a:t>
+              <a:t>25/12/2021</a:t>
             </a:fld>
             <a:endParaRPr lang="en-GB"/>
           </a:p>
@@ -1987,7 +1989,7 @@
           <a:p>
             <a:fld id="{377FF098-CDFA-4D8A-A977-0D920ED29423}" type="datetimeFigureOut">
               <a:rPr lang="en-GB" smtClean="0"/>
-              <a:t>24/12/2021</a:t>
+              <a:t>25/12/2021</a:t>
             </a:fld>
             <a:endParaRPr lang="en-GB"/>
           </a:p>
@@ -2100,7 +2102,7 @@
           <a:p>
             <a:fld id="{377FF098-CDFA-4D8A-A977-0D920ED29423}" type="datetimeFigureOut">
               <a:rPr lang="en-GB" smtClean="0"/>
-              <a:t>24/12/2021</a:t>
+              <a:t>25/12/2021</a:t>
             </a:fld>
             <a:endParaRPr lang="en-GB"/>
           </a:p>
@@ -2413,7 +2415,7 @@
           <a:p>
             <a:fld id="{377FF098-CDFA-4D8A-A977-0D920ED29423}" type="datetimeFigureOut">
               <a:rPr lang="en-GB" smtClean="0"/>
-              <a:t>24/12/2021</a:t>
+              <a:t>25/12/2021</a:t>
             </a:fld>
             <a:endParaRPr lang="en-GB"/>
           </a:p>
@@ -2702,7 +2704,7 @@
           <a:p>
             <a:fld id="{377FF098-CDFA-4D8A-A977-0D920ED29423}" type="datetimeFigureOut">
               <a:rPr lang="en-GB" smtClean="0"/>
-              <a:t>24/12/2021</a:t>
+              <a:t>25/12/2021</a:t>
             </a:fld>
             <a:endParaRPr lang="en-GB"/>
           </a:p>
@@ -2945,7 +2947,7 @@
           <a:p>
             <a:fld id="{377FF098-CDFA-4D8A-A977-0D920ED29423}" type="datetimeFigureOut">
               <a:rPr lang="en-GB" smtClean="0"/>
-              <a:t>24/12/2021</a:t>
+              <a:t>25/12/2021</a:t>
             </a:fld>
             <a:endParaRPr lang="en-GB"/>
           </a:p>
@@ -3426,7 +3428,7 @@
         </p:nvGrpSpPr>
         <p:grpSpPr>
           <a:xfrm>
-            <a:off x="8179265" y="2904925"/>
+            <a:off x="8276919" y="2703148"/>
             <a:ext cx="3191774" cy="3191774"/>
             <a:chOff x="9476761" y="4173523"/>
             <a:chExt cx="2164360" cy="2164360"/>
@@ -3768,7 +3770,7 @@
         </p:nvSpPr>
         <p:spPr>
           <a:xfrm>
-            <a:off x="0" y="4994644"/>
+            <a:off x="0" y="4667473"/>
             <a:ext cx="12192000" cy="1080000"/>
           </a:xfrm>
           <a:prstGeom prst="rect">
@@ -3875,40 +3877,16 @@
           <a:p>
             <a:pPr marL="0" indent="0" algn="just">
               <a:lnSpc>
-                <a:spcPct val="150000"/>
+                <a:spcPct val="200000"/>
               </a:lnSpc>
               <a:buNone/>
             </a:pPr>
             <a:r>
-              <a:rPr lang="cs-CZ" sz="2400" dirty="0"/>
-              <a:t>In 1997 </a:t>
-            </a:r>
-            <a:r>
-              <a:rPr lang="cs-CZ" sz="2400" dirty="0" err="1"/>
-              <a:t>was</a:t>
-            </a:r>
-            <a:r>
-              <a:rPr lang="cs-CZ" sz="2400" dirty="0"/>
-              <a:t> </a:t>
-            </a:r>
-            <a:r>
-              <a:rPr lang="cs-CZ" sz="2400" dirty="0" err="1"/>
-              <a:t>firstly</a:t>
-            </a:r>
-            <a:r>
-              <a:rPr lang="cs-CZ" sz="2400" dirty="0"/>
-              <a:t> </a:t>
-            </a:r>
-            <a:r>
-              <a:rPr lang="cs-CZ" sz="2400" dirty="0" err="1"/>
-              <a:t>presented</a:t>
-            </a:r>
-            <a:r>
-              <a:rPr lang="cs-CZ" sz="2400" dirty="0"/>
-              <a:t> </a:t>
-            </a:r>
-            <a:r>
-              <a:rPr lang="cs-CZ" sz="2400" b="1" dirty="0" err="1">
+              <a:rPr lang="en-GB" sz="2400" dirty="0"/>
+              <a:t>In 1997 was firstly presented </a:t>
+            </a:r>
+            <a:r>
+              <a:rPr lang="en-GB" sz="2400" b="1" dirty="0" err="1">
                 <a:solidFill>
                   <a:schemeClr val="accent2"/>
                 </a:solidFill>
@@ -3916,15 +3894,15 @@
               <a:t>C</a:t>
             </a:r>
             <a:r>
-              <a:rPr lang="cs-CZ" sz="2400" dirty="0" err="1"/>
+              <a:rPr lang="en-GB" sz="2400" dirty="0" err="1"/>
               <a:t>ompletly</a:t>
             </a:r>
             <a:r>
-              <a:rPr lang="cs-CZ" sz="2400" dirty="0"/>
+              <a:rPr lang="en-GB" sz="2400" dirty="0"/>
               <a:t> </a:t>
             </a:r>
             <a:r>
-              <a:rPr lang="cs-CZ" sz="2400" b="1" dirty="0" err="1">
+              <a:rPr lang="en-GB" sz="2400" b="1" dirty="0">
                 <a:solidFill>
                   <a:schemeClr val="accent2"/>
                 </a:solidFill>
@@ -3932,15 +3910,11 @@
               <a:t>A</a:t>
             </a:r>
             <a:r>
-              <a:rPr lang="cs-CZ" sz="2400" dirty="0" err="1"/>
-              <a:t>utomated</a:t>
-            </a:r>
-            <a:r>
-              <a:rPr lang="cs-CZ" sz="2400" dirty="0"/>
-              <a:t> </a:t>
-            </a:r>
-            <a:r>
-              <a:rPr lang="cs-CZ" sz="2400" b="1" dirty="0">
+              <a:rPr lang="en-GB" sz="2400" dirty="0"/>
+              <a:t>utomated </a:t>
+            </a:r>
+            <a:r>
+              <a:rPr lang="en-GB" sz="2400" b="1" dirty="0">
                 <a:solidFill>
                   <a:schemeClr val="accent2"/>
                 </a:solidFill>
@@ -3948,11 +3922,11 @@
               <a:t>P</a:t>
             </a:r>
             <a:r>
-              <a:rPr lang="cs-CZ" sz="2400" dirty="0"/>
+              <a:rPr lang="en-GB" sz="2400" dirty="0"/>
               <a:t>ublic </a:t>
             </a:r>
             <a:r>
-              <a:rPr lang="cs-CZ" sz="2400" b="1" dirty="0" err="1">
+              <a:rPr lang="en-GB" sz="2400" b="1" dirty="0">
                 <a:solidFill>
                   <a:schemeClr val="accent2"/>
                 </a:solidFill>
@@ -3960,23 +3934,11 @@
               <a:t>T</a:t>
             </a:r>
             <a:r>
-              <a:rPr lang="cs-CZ" sz="2400" dirty="0" err="1"/>
-              <a:t>uring</a:t>
-            </a:r>
-            <a:r>
-              <a:rPr lang="cs-CZ" sz="2400" dirty="0"/>
-              <a:t> test to </a:t>
-            </a:r>
-            <a:r>
-              <a:rPr lang="cs-CZ" sz="2400" dirty="0" err="1"/>
-              <a:t>tell</a:t>
-            </a:r>
-            <a:r>
-              <a:rPr lang="cs-CZ" sz="2400" dirty="0"/>
-              <a:t> </a:t>
-            </a:r>
-            <a:r>
-              <a:rPr lang="cs-CZ" sz="2400" b="1" dirty="0" err="1">
+              <a:rPr lang="en-GB" sz="2400" dirty="0"/>
+              <a:t>uring test to tell </a:t>
+            </a:r>
+            <a:r>
+              <a:rPr lang="en-GB" sz="2400" b="1" dirty="0">
                 <a:solidFill>
                   <a:schemeClr val="accent2"/>
                 </a:solidFill>
@@ -3984,15 +3946,11 @@
               <a:t>C</a:t>
             </a:r>
             <a:r>
-              <a:rPr lang="cs-CZ" sz="2400" dirty="0" err="1"/>
-              <a:t>omputer</a:t>
-            </a:r>
-            <a:r>
-              <a:rPr lang="cs-CZ" sz="2400" dirty="0"/>
-              <a:t> and </a:t>
-            </a:r>
-            <a:r>
-              <a:rPr lang="cs-CZ" sz="2400" b="1" dirty="0" err="1">
+              <a:rPr lang="en-GB" sz="2400" dirty="0"/>
+              <a:t>omputer and </a:t>
+            </a:r>
+            <a:r>
+              <a:rPr lang="en-GB" sz="2400" b="1" dirty="0">
                 <a:solidFill>
                   <a:schemeClr val="accent2"/>
                 </a:solidFill>
@@ -4000,15 +3958,11 @@
               <a:t>H</a:t>
             </a:r>
             <a:r>
-              <a:rPr lang="cs-CZ" sz="2400" dirty="0" err="1"/>
-              <a:t>umans</a:t>
-            </a:r>
-            <a:r>
-              <a:rPr lang="cs-CZ" sz="2400" dirty="0"/>
-              <a:t> </a:t>
-            </a:r>
-            <a:r>
-              <a:rPr lang="cs-CZ" sz="2400" b="1" dirty="0" err="1">
+              <a:rPr lang="en-GB" sz="2400" dirty="0"/>
+              <a:t>umans </a:t>
+            </a:r>
+            <a:r>
+              <a:rPr lang="en-GB" sz="2400" b="1" dirty="0">
                 <a:solidFill>
                   <a:schemeClr val="accent2"/>
                 </a:solidFill>
@@ -4016,132 +3970,16 @@
               <a:t>A</a:t>
             </a:r>
             <a:r>
-              <a:rPr lang="cs-CZ" sz="2400" dirty="0" err="1"/>
-              <a:t>part</a:t>
-            </a:r>
-            <a:r>
-              <a:rPr lang="cs-CZ" sz="2400" dirty="0"/>
-              <a:t> (CAPTCHA), </a:t>
-            </a:r>
-            <a:r>
-              <a:rPr lang="cs-CZ" sz="2400" dirty="0" err="1"/>
-              <a:t>which</a:t>
-            </a:r>
-            <a:r>
-              <a:rPr lang="cs-CZ" sz="2400" dirty="0"/>
-              <a:t> </a:t>
-            </a:r>
-            <a:r>
-              <a:rPr lang="cs-CZ" sz="2400" dirty="0" err="1"/>
+              <a:rPr lang="en-GB" sz="2400" dirty="0"/>
+              <a:t>part (CAPTCHA), which </a:t>
+            </a:r>
+            <a:r>
+              <a:rPr lang="en-GB" sz="2400" dirty="0" err="1"/>
               <a:t>requieres</a:t>
             </a:r>
             <a:r>
-              <a:rPr lang="cs-CZ" sz="2400" dirty="0"/>
-              <a:t> </a:t>
-            </a:r>
-            <a:r>
-              <a:rPr lang="cs-CZ" sz="2400" dirty="0" err="1"/>
-              <a:t>someone</a:t>
-            </a:r>
-            <a:r>
-              <a:rPr lang="cs-CZ" sz="2400" dirty="0"/>
-              <a:t> to </a:t>
-            </a:r>
-            <a:r>
-              <a:rPr lang="cs-CZ" sz="2400" dirty="0" err="1"/>
-              <a:t>correctly</a:t>
-            </a:r>
-            <a:r>
-              <a:rPr lang="cs-CZ" sz="2400" dirty="0"/>
-              <a:t> </a:t>
-            </a:r>
-            <a:r>
-              <a:rPr lang="cs-CZ" sz="2400" dirty="0" err="1"/>
-              <a:t>evaluate</a:t>
-            </a:r>
-            <a:r>
-              <a:rPr lang="cs-CZ" sz="2400" dirty="0"/>
-              <a:t> and enter a </a:t>
-            </a:r>
-            <a:r>
-              <a:rPr lang="cs-CZ" sz="2400" dirty="0" err="1"/>
-              <a:t>sequence</a:t>
-            </a:r>
-            <a:r>
-              <a:rPr lang="cs-CZ" sz="2400" dirty="0"/>
-              <a:t> </a:t>
-            </a:r>
-            <a:r>
-              <a:rPr lang="cs-CZ" sz="2400" dirty="0" err="1"/>
-              <a:t>of</a:t>
-            </a:r>
-            <a:r>
-              <a:rPr lang="cs-CZ" sz="2400" dirty="0"/>
-              <a:t> </a:t>
-            </a:r>
-            <a:r>
-              <a:rPr lang="cs-CZ" sz="2400" dirty="0" err="1"/>
-              <a:t>letters</a:t>
-            </a:r>
-            <a:r>
-              <a:rPr lang="cs-CZ" sz="2400" dirty="0"/>
-              <a:t> </a:t>
-            </a:r>
-            <a:r>
-              <a:rPr lang="cs-CZ" sz="2400" dirty="0" err="1"/>
-              <a:t>or</a:t>
-            </a:r>
-            <a:r>
-              <a:rPr lang="cs-CZ" sz="2400" dirty="0"/>
-              <a:t> </a:t>
-            </a:r>
-            <a:r>
-              <a:rPr lang="cs-CZ" sz="2400" dirty="0" err="1"/>
-              <a:t>numbers</a:t>
-            </a:r>
-            <a:r>
-              <a:rPr lang="cs-CZ" sz="2400" dirty="0"/>
-              <a:t> </a:t>
-            </a:r>
-            <a:r>
-              <a:rPr lang="cs-CZ" sz="2400" dirty="0" err="1"/>
-              <a:t>perceptible</a:t>
-            </a:r>
-            <a:r>
-              <a:rPr lang="cs-CZ" sz="2400" dirty="0"/>
-              <a:t> in a </a:t>
-            </a:r>
-            <a:r>
-              <a:rPr lang="cs-CZ" sz="2400" dirty="0" err="1"/>
-              <a:t>distorted</a:t>
-            </a:r>
-            <a:r>
-              <a:rPr lang="cs-CZ" sz="2400" dirty="0"/>
-              <a:t> image </a:t>
-            </a:r>
-            <a:r>
-              <a:rPr lang="cs-CZ" sz="2400" dirty="0" err="1"/>
-              <a:t>displayed</a:t>
-            </a:r>
-            <a:r>
-              <a:rPr lang="cs-CZ" sz="2400" dirty="0"/>
-              <a:t> on </a:t>
-            </a:r>
-            <a:r>
-              <a:rPr lang="cs-CZ" sz="2400" dirty="0" err="1"/>
-              <a:t>the</a:t>
-            </a:r>
-            <a:r>
-              <a:rPr lang="cs-CZ" sz="2400" dirty="0"/>
-              <a:t> </a:t>
-            </a:r>
-            <a:r>
-              <a:rPr lang="cs-CZ" sz="2400" dirty="0" err="1"/>
-              <a:t>screen</a:t>
-            </a:r>
-            <a:r>
-              <a:rPr lang="cs-CZ" sz="2400" dirty="0"/>
-              <a:t>.</a:t>
+              <a:rPr lang="en-GB" sz="2400" dirty="0"/>
+              <a:t> someone to correctly evaluate and enter a sequence of letters or numbers perceptible in a distorted image displayed on the screen.</a:t>
             </a:r>
           </a:p>
           <a:p>
@@ -4151,7 +3989,9 @@
               </a:lnSpc>
               <a:buNone/>
             </a:pPr>
-            <a:endParaRPr lang="cs-CZ" sz="2000" dirty="0"/>
+            <a:endParaRPr lang="en-GB" sz="2200" dirty="0">
+              <a:latin typeface="OCR A Extended" panose="02010509020102010303" pitchFamily="50" charset="0"/>
+            </a:endParaRPr>
           </a:p>
           <a:p>
             <a:pPr marL="0" indent="0" algn="ctr">
@@ -4160,133 +4000,15 @@
               </a:lnSpc>
               <a:buNone/>
             </a:pPr>
-            <a:endParaRPr lang="cs-CZ" sz="2600" dirty="0">
-              <a:latin typeface="OCR A Extended" panose="02010509020102010303" pitchFamily="50" charset="0"/>
-            </a:endParaRPr>
-          </a:p>
-          <a:p>
-            <a:pPr marL="0" indent="0" algn="ctr">
-              <a:lnSpc>
-                <a:spcPct val="200000"/>
-              </a:lnSpc>
-              <a:buNone/>
-            </a:pPr>
-            <a:r>
-              <a:rPr lang="cs-CZ" sz="2600" dirty="0" err="1">
+            <a:r>
+              <a:rPr lang="en-GB" sz="2600" dirty="0">
+                <a:solidFill>
+                  <a:schemeClr val="accent2"/>
+                </a:solidFill>
                 <a:latin typeface="OCR A Extended" panose="02010509020102010303" pitchFamily="50" charset="0"/>
               </a:rPr>
-              <a:t>Can</a:t>
-            </a:r>
-            <a:r>
-              <a:rPr lang="cs-CZ" sz="2600" dirty="0">
-                <a:latin typeface="OCR A Extended" panose="02010509020102010303" pitchFamily="50" charset="0"/>
-              </a:rPr>
-              <a:t> </a:t>
-            </a:r>
-            <a:r>
-              <a:rPr lang="cs-CZ" sz="2600" dirty="0" err="1">
-                <a:latin typeface="OCR A Extended" panose="02010509020102010303" pitchFamily="50" charset="0"/>
-              </a:rPr>
-              <a:t>we</a:t>
-            </a:r>
-            <a:r>
-              <a:rPr lang="cs-CZ" sz="2600" dirty="0">
-                <a:latin typeface="OCR A Extended" panose="02010509020102010303" pitchFamily="50" charset="0"/>
-              </a:rPr>
-              <a:t> </a:t>
-            </a:r>
-            <a:r>
-              <a:rPr lang="cs-CZ" sz="2600" dirty="0" err="1">
-                <a:latin typeface="OCR A Extended" panose="02010509020102010303" pitchFamily="50" charset="0"/>
-              </a:rPr>
-              <a:t>create</a:t>
-            </a:r>
-            <a:r>
-              <a:rPr lang="cs-CZ" sz="2600" dirty="0">
-                <a:latin typeface="OCR A Extended" panose="02010509020102010303" pitchFamily="50" charset="0"/>
-              </a:rPr>
-              <a:t> a model, </a:t>
-            </a:r>
-            <a:r>
-              <a:rPr lang="cs-CZ" sz="2600" dirty="0" err="1">
-                <a:latin typeface="OCR A Extended" panose="02010509020102010303" pitchFamily="50" charset="0"/>
-              </a:rPr>
-              <a:t>which</a:t>
-            </a:r>
-            <a:r>
-              <a:rPr lang="cs-CZ" sz="2600" dirty="0">
-                <a:latin typeface="OCR A Extended" panose="02010509020102010303" pitchFamily="50" charset="0"/>
-              </a:rPr>
-              <a:t> </a:t>
-            </a:r>
-            <a:r>
-              <a:rPr lang="cs-CZ" sz="2600" dirty="0" err="1">
-                <a:latin typeface="OCR A Extended" panose="02010509020102010303" pitchFamily="50" charset="0"/>
-              </a:rPr>
-              <a:t>is</a:t>
-            </a:r>
-            <a:r>
-              <a:rPr lang="cs-CZ" sz="2600" dirty="0">
-                <a:latin typeface="OCR A Extended" panose="02010509020102010303" pitchFamily="50" charset="0"/>
-              </a:rPr>
-              <a:t> </a:t>
-            </a:r>
-            <a:r>
-              <a:rPr lang="cs-CZ" sz="2600" dirty="0" err="1">
-                <a:latin typeface="OCR A Extended" panose="02010509020102010303" pitchFamily="50" charset="0"/>
-              </a:rPr>
-              <a:t>able</a:t>
-            </a:r>
-            <a:r>
-              <a:rPr lang="cs-CZ" sz="2600" dirty="0">
-                <a:latin typeface="OCR A Extended" panose="02010509020102010303" pitchFamily="50" charset="0"/>
-              </a:rPr>
-              <a:t> to </a:t>
-            </a:r>
-            <a:r>
-              <a:rPr lang="cs-CZ" sz="2600" dirty="0" err="1">
-                <a:latin typeface="OCR A Extended" panose="02010509020102010303" pitchFamily="50" charset="0"/>
-              </a:rPr>
-              <a:t>decieve</a:t>
-            </a:r>
-            <a:r>
-              <a:rPr lang="cs-CZ" sz="2600" dirty="0">
-                <a:latin typeface="OCR A Extended" panose="02010509020102010303" pitchFamily="50" charset="0"/>
-              </a:rPr>
-              <a:t> CAPTCHA? </a:t>
-            </a:r>
-          </a:p>
-          <a:p>
-            <a:pPr marL="0" indent="0">
-              <a:buNone/>
-            </a:pPr>
-            <a:endParaRPr lang="cs-CZ" sz="2400" dirty="0">
-              <a:latin typeface="OCR A Extended" panose="02010509020102010303" pitchFamily="50" charset="0"/>
-            </a:endParaRPr>
-          </a:p>
-          <a:p>
-            <a:pPr marL="0" indent="0">
-              <a:buNone/>
-            </a:pPr>
-            <a:endParaRPr lang="cs-CZ" sz="2400" dirty="0">
-              <a:latin typeface="OCR A Extended" panose="02010509020102010303" pitchFamily="50" charset="0"/>
-            </a:endParaRPr>
-          </a:p>
-          <a:p>
-            <a:pPr marL="0" indent="0">
-              <a:buNone/>
-            </a:pPr>
-            <a:endParaRPr lang="cs-CZ" sz="2400" dirty="0">
-              <a:latin typeface="OCR A Extended" panose="02010509020102010303" pitchFamily="50" charset="0"/>
-            </a:endParaRPr>
-          </a:p>
-          <a:p>
-            <a:pPr marL="0" indent="0">
-              <a:buNone/>
-            </a:pPr>
-            <a:endParaRPr lang="cs-CZ" sz="2400" dirty="0">
-              <a:latin typeface="OCR A Extended" panose="02010509020102010303" pitchFamily="50" charset="0"/>
-            </a:endParaRPr>
+              <a:t>Can we create a model, which is able to deceive CAPTCHA? </a:t>
+            </a:r>
           </a:p>
           <a:p>
             <a:pPr marL="0" indent="0">
@@ -4296,8 +4018,75 @@
               <a:latin typeface="OCR A Extended" panose="02010509020102010303" pitchFamily="50" charset="0"/>
             </a:endParaRPr>
           </a:p>
-        </p:txBody>
-      </p:sp>
+          <a:p>
+            <a:pPr marL="0" indent="0">
+              <a:buNone/>
+            </a:pPr>
+            <a:endParaRPr lang="en-GB" sz="2400" dirty="0">
+              <a:latin typeface="OCR A Extended" panose="02010509020102010303" pitchFamily="50" charset="0"/>
+            </a:endParaRPr>
+          </a:p>
+          <a:p>
+            <a:pPr marL="0" indent="0">
+              <a:buNone/>
+            </a:pPr>
+            <a:endParaRPr lang="en-GB" sz="2400" dirty="0">
+              <a:latin typeface="OCR A Extended" panose="02010509020102010303" pitchFamily="50" charset="0"/>
+            </a:endParaRPr>
+          </a:p>
+          <a:p>
+            <a:pPr marL="0" indent="0">
+              <a:buNone/>
+            </a:pPr>
+            <a:endParaRPr lang="en-GB" sz="2400" dirty="0">
+              <a:latin typeface="OCR A Extended" panose="02010509020102010303" pitchFamily="50" charset="0"/>
+            </a:endParaRPr>
+          </a:p>
+          <a:p>
+            <a:pPr marL="0" indent="0">
+              <a:buNone/>
+            </a:pPr>
+            <a:endParaRPr lang="en-GB" sz="2400" dirty="0">
+              <a:latin typeface="OCR A Extended" panose="02010509020102010303" pitchFamily="50" charset="0"/>
+            </a:endParaRPr>
+          </a:p>
+        </p:txBody>
+      </p:sp>
+      <p:pic>
+        <p:nvPicPr>
+          <p:cNvPr id="5" name="Obrázek 4">
+            <a:extLst>
+              <a:ext uri="{FF2B5EF4-FFF2-40B4-BE49-F238E27FC236}">
+                <a16:creationId xmlns:a16="http://schemas.microsoft.com/office/drawing/2014/main" id="{A96C5ABF-D16C-4F51-9B0F-FBBE77464E99}"/>
+              </a:ext>
+            </a:extLst>
+          </p:cNvPr>
+          <p:cNvPicPr>
+            <a:picLocks noChangeAspect="1"/>
+          </p:cNvPicPr>
+          <p:nvPr/>
+        </p:nvPicPr>
+        <p:blipFill rotWithShape="1">
+          <a:blip r:embed="rId2">
+            <a:extLst>
+              <a:ext uri="{28A0092B-C50C-407E-A947-70E740481C1C}">
+                <a14:useLocalDpi xmlns:a14="http://schemas.microsoft.com/office/drawing/2010/main" val="0"/>
+              </a:ext>
+            </a:extLst>
+          </a:blip>
+          <a:srcRect t="71911" b="1"/>
+          <a:stretch/>
+        </p:blipFill>
+        <p:spPr>
+          <a:xfrm>
+            <a:off x="8728131" y="0"/>
+            <a:ext cx="3389400" cy="978765"/>
+          </a:xfrm>
+          <a:prstGeom prst="rect">
+            <a:avLst/>
+          </a:prstGeom>
+        </p:spPr>
+      </p:pic>
     </p:spTree>
     <p:extLst>
       <p:ext uri="{BB962C8B-B14F-4D97-AF65-F5344CB8AC3E}">
@@ -4308,6 +4097,124 @@
   <p:clrMapOvr>
     <a:masterClrMapping/>
   </p:clrMapOvr>
+  <p:timing>
+    <p:tnLst>
+      <p:par>
+        <p:cTn id="1" dur="indefinite" restart="never" nodeType="tmRoot">
+          <p:childTnLst>
+            <p:seq concurrent="1" nextAc="seek">
+              <p:cTn id="2" dur="indefinite" nodeType="mainSeq">
+                <p:childTnLst>
+                  <p:par>
+                    <p:cTn id="3" fill="hold">
+                      <p:stCondLst>
+                        <p:cond delay="indefinite"/>
+                      </p:stCondLst>
+                      <p:childTnLst>
+                        <p:par>
+                          <p:cTn id="4" fill="hold">
+                            <p:stCondLst>
+                              <p:cond delay="0"/>
+                            </p:stCondLst>
+                            <p:childTnLst>
+                              <p:par>
+                                <p:cTn id="5" presetID="16" presetClass="emph" presetSubtype="0" fill="hold" nodeType="clickEffect">
+                                  <p:stCondLst>
+                                    <p:cond delay="0"/>
+                                  </p:stCondLst>
+                                  <p:iterate type="lt">
+                                    <p:tmPct val="4000"/>
+                                  </p:iterate>
+                                  <p:childTnLst>
+                                    <p:set>
+                                      <p:cBhvr override="childStyle">
+                                        <p:cTn id="6" dur="500" fill="hold"/>
+                                        <p:tgtEl>
+                                          <p:spTgt spid="3">
+                                            <p:txEl>
+                                              <p:pRg st="2" end="2"/>
+                                            </p:txEl>
+                                          </p:spTgt>
+                                        </p:tgtEl>
+                                        <p:attrNameLst>
+                                          <p:attrName>style.color</p:attrName>
+                                        </p:attrNameLst>
+                                      </p:cBhvr>
+                                      <p:to>
+                                        <p:clrVal>
+                                          <a:srgbClr val="000000"/>
+                                        </p:clrVal>
+                                      </p:to>
+                                    </p:set>
+                                    <p:set>
+                                      <p:cBhvr>
+                                        <p:cTn id="7" dur="500" fill="hold"/>
+                                        <p:tgtEl>
+                                          <p:spTgt spid="3">
+                                            <p:txEl>
+                                              <p:pRg st="2" end="2"/>
+                                            </p:txEl>
+                                          </p:spTgt>
+                                        </p:tgtEl>
+                                        <p:attrNameLst>
+                                          <p:attrName>fillcolor</p:attrName>
+                                        </p:attrNameLst>
+                                      </p:cBhvr>
+                                      <p:to>
+                                        <p:clrVal>
+                                          <a:srgbClr val="000000"/>
+                                        </p:clrVal>
+                                      </p:to>
+                                    </p:set>
+                                    <p:set>
+                                      <p:cBhvr>
+                                        <p:cTn id="8" dur="500" fill="hold"/>
+                                        <p:tgtEl>
+                                          <p:spTgt spid="3">
+                                            <p:txEl>
+                                              <p:pRg st="2" end="2"/>
+                                            </p:txEl>
+                                          </p:spTgt>
+                                        </p:tgtEl>
+                                        <p:attrNameLst>
+                                          <p:attrName>fill.type</p:attrName>
+                                        </p:attrNameLst>
+                                      </p:cBhvr>
+                                      <p:to>
+                                        <p:strVal val="solid"/>
+                                      </p:to>
+                                    </p:set>
+                                  </p:childTnLst>
+                                </p:cTn>
+                              </p:par>
+                            </p:childTnLst>
+                          </p:cTn>
+                        </p:par>
+                      </p:childTnLst>
+                    </p:cTn>
+                  </p:par>
+                </p:childTnLst>
+              </p:cTn>
+              <p:prevCondLst>
+                <p:cond evt="onPrev" delay="0">
+                  <p:tgtEl>
+                    <p:sldTgt/>
+                  </p:tgtEl>
+                </p:cond>
+              </p:prevCondLst>
+              <p:nextCondLst>
+                <p:cond evt="onNext" delay="0">
+                  <p:tgtEl>
+                    <p:sldTgt/>
+                  </p:tgtEl>
+                </p:cond>
+              </p:nextCondLst>
+            </p:seq>
+          </p:childTnLst>
+        </p:cTn>
+      </p:par>
+    </p:tnLst>
+  </p:timing>
 </p:sld>
 </file>
 
@@ -4333,6 +4240,462 @@
           <p:cNvPr id="2" name="Nadpis 1">
             <a:extLst>
               <a:ext uri="{FF2B5EF4-FFF2-40B4-BE49-F238E27FC236}">
+                <a16:creationId xmlns:a16="http://schemas.microsoft.com/office/drawing/2014/main" id="{45F0087F-BF77-484A-B230-D9B594A29A45}"/>
+              </a:ext>
+            </a:extLst>
+          </p:cNvPr>
+          <p:cNvSpPr>
+            <a:spLocks noGrp="1"/>
+          </p:cNvSpPr>
+          <p:nvPr>
+            <p:ph type="title"/>
+          </p:nvPr>
+        </p:nvSpPr>
+        <p:spPr/>
+        <p:txBody>
+          <a:bodyPr/>
+          <a:lstStyle/>
+          <a:p>
+            <a:r>
+              <a:rPr lang="cs-CZ" dirty="0">
+                <a:latin typeface="OCR A Extended" panose="02010509020102010303" pitchFamily="50" charset="0"/>
+              </a:rPr>
+              <a:t>Data source</a:t>
+            </a:r>
+          </a:p>
+        </p:txBody>
+      </p:sp>
+      <p:sp>
+        <p:nvSpPr>
+          <p:cNvPr id="3" name="Zástupný obsah 2">
+            <a:extLst>
+              <a:ext uri="{FF2B5EF4-FFF2-40B4-BE49-F238E27FC236}">
+                <a16:creationId xmlns:a16="http://schemas.microsoft.com/office/drawing/2014/main" id="{ACB7CFE7-B89D-4C70-A338-96706C1DE241}"/>
+              </a:ext>
+            </a:extLst>
+          </p:cNvPr>
+          <p:cNvSpPr>
+            <a:spLocks noGrp="1"/>
+          </p:cNvSpPr>
+          <p:nvPr>
+            <p:ph idx="1"/>
+          </p:nvPr>
+        </p:nvSpPr>
+        <p:spPr/>
+        <p:txBody>
+          <a:bodyPr/>
+          <a:lstStyle/>
+          <a:p>
+            <a:pPr marL="0" indent="0">
+              <a:lnSpc>
+                <a:spcPct val="150000"/>
+              </a:lnSpc>
+              <a:buNone/>
+            </a:pPr>
+            <a:r>
+              <a:rPr lang="cs-CZ" sz="2200" dirty="0" err="1"/>
+              <a:t>We</a:t>
+            </a:r>
+            <a:r>
+              <a:rPr lang="cs-CZ" sz="2200" dirty="0"/>
+              <a:t> </a:t>
+            </a:r>
+            <a:r>
+              <a:rPr lang="cs-CZ" sz="2200" dirty="0" err="1"/>
+              <a:t>decided</a:t>
+            </a:r>
+            <a:r>
+              <a:rPr lang="cs-CZ" sz="2200" dirty="0"/>
+              <a:t> to </a:t>
+            </a:r>
+            <a:r>
+              <a:rPr lang="cs-CZ" sz="2200" dirty="0" err="1"/>
+              <a:t>generate</a:t>
+            </a:r>
+            <a:r>
+              <a:rPr lang="cs-CZ" sz="2200" dirty="0"/>
+              <a:t> </a:t>
+            </a:r>
+            <a:r>
+              <a:rPr lang="cs-CZ" sz="2200" dirty="0" err="1"/>
+              <a:t>our</a:t>
+            </a:r>
+            <a:r>
+              <a:rPr lang="cs-CZ" sz="2200" dirty="0"/>
+              <a:t> </a:t>
+            </a:r>
+            <a:r>
+              <a:rPr lang="cs-CZ" sz="2200" dirty="0" err="1"/>
+              <a:t>own</a:t>
+            </a:r>
+            <a:r>
+              <a:rPr lang="cs-CZ" sz="2200" dirty="0"/>
+              <a:t> CAPTCHA </a:t>
+            </a:r>
+            <a:r>
+              <a:rPr lang="cs-CZ" sz="2200" dirty="0" err="1"/>
+              <a:t>codes</a:t>
+            </a:r>
+            <a:r>
+              <a:rPr lang="cs-CZ" sz="2200" dirty="0"/>
+              <a:t> </a:t>
+            </a:r>
+            <a:r>
+              <a:rPr lang="cs-CZ" sz="2200" dirty="0" err="1"/>
+              <a:t>using</a:t>
+            </a:r>
+            <a:r>
+              <a:rPr lang="cs-CZ" sz="2200" dirty="0"/>
+              <a:t> </a:t>
+            </a:r>
+            <a:r>
+              <a:rPr lang="cs-CZ" sz="2200" dirty="0" err="1"/>
+              <a:t>following</a:t>
+            </a:r>
+            <a:r>
+              <a:rPr lang="cs-CZ" sz="2200" dirty="0"/>
+              <a:t> </a:t>
+            </a:r>
+            <a:r>
+              <a:rPr lang="cs-CZ" sz="2200" dirty="0" err="1"/>
+              <a:t>three</a:t>
+            </a:r>
+            <a:r>
+              <a:rPr lang="cs-CZ" sz="2200" dirty="0"/>
+              <a:t> </a:t>
+            </a:r>
+            <a:r>
+              <a:rPr lang="cs-CZ" sz="2200" dirty="0" err="1"/>
+              <a:t>sets</a:t>
+            </a:r>
+            <a:r>
+              <a:rPr lang="cs-CZ" sz="2200" dirty="0"/>
+              <a:t> </a:t>
+            </a:r>
+            <a:r>
+              <a:rPr lang="cs-CZ" sz="2200" dirty="0" err="1"/>
+              <a:t>of</a:t>
+            </a:r>
+            <a:r>
+              <a:rPr lang="cs-CZ" sz="2200" dirty="0"/>
+              <a:t> </a:t>
+            </a:r>
+            <a:r>
+              <a:rPr lang="cs-CZ" sz="2200" dirty="0" err="1"/>
+              <a:t>symbols</a:t>
+            </a:r>
+            <a:endParaRPr lang="cs-CZ" sz="2200" dirty="0"/>
+          </a:p>
+          <a:p>
+            <a:pPr lvl="1">
+              <a:lnSpc>
+                <a:spcPct val="150000"/>
+              </a:lnSpc>
+              <a:buClr>
+                <a:srgbClr val="FFC000"/>
+              </a:buClr>
+              <a:buFont typeface="Calibri" panose="020F0502020204030204" pitchFamily="34" charset="0"/>
+              <a:buChar char="&gt;"/>
+            </a:pPr>
+            <a:r>
+              <a:rPr lang="cs-CZ" sz="2000" dirty="0" err="1"/>
+              <a:t>digits</a:t>
+            </a:r>
+            <a:r>
+              <a:rPr lang="cs-CZ" sz="2000" dirty="0"/>
+              <a:t> (0-9);</a:t>
+            </a:r>
+          </a:p>
+          <a:p>
+            <a:pPr lvl="1">
+              <a:lnSpc>
+                <a:spcPct val="150000"/>
+              </a:lnSpc>
+              <a:buClr>
+                <a:srgbClr val="FFC000"/>
+              </a:buClr>
+              <a:buFont typeface="Calibri" panose="020F0502020204030204" pitchFamily="34" charset="0"/>
+              <a:buChar char="&gt;"/>
+            </a:pPr>
+            <a:r>
+              <a:rPr lang="cs-CZ" sz="2000" dirty="0"/>
+              <a:t>ascii </a:t>
+            </a:r>
+            <a:r>
+              <a:rPr lang="cs-CZ" sz="2000" dirty="0" err="1"/>
+              <a:t>lowercase</a:t>
+            </a:r>
+            <a:r>
+              <a:rPr lang="cs-CZ" sz="2000" dirty="0"/>
+              <a:t> </a:t>
+            </a:r>
+            <a:r>
+              <a:rPr lang="cs-CZ" sz="2000" dirty="0" err="1"/>
+              <a:t>letters</a:t>
+            </a:r>
+            <a:r>
+              <a:rPr lang="cs-CZ" sz="2000" dirty="0"/>
+              <a:t> (</a:t>
+            </a:r>
+            <a:r>
+              <a:rPr lang="cs-CZ" sz="2000" dirty="0" err="1"/>
+              <a:t>a,b,c</a:t>
+            </a:r>
+            <a:r>
+              <a:rPr lang="cs-CZ" sz="2000" dirty="0"/>
+              <a:t>…), </a:t>
+            </a:r>
+            <a:r>
+              <a:rPr lang="cs-CZ" sz="2000" dirty="0" err="1"/>
+              <a:t>different</a:t>
+            </a:r>
+            <a:r>
+              <a:rPr lang="cs-CZ" sz="2000" dirty="0"/>
+              <a:t> </a:t>
+            </a:r>
+            <a:r>
+              <a:rPr lang="cs-CZ" sz="2000" dirty="0" err="1"/>
+              <a:t>fonts</a:t>
+            </a:r>
+            <a:r>
+              <a:rPr lang="cs-CZ" sz="2000" dirty="0"/>
+              <a:t>;</a:t>
+            </a:r>
+          </a:p>
+          <a:p>
+            <a:pPr lvl="1">
+              <a:lnSpc>
+                <a:spcPct val="150000"/>
+              </a:lnSpc>
+              <a:buClr>
+                <a:srgbClr val="FFC000"/>
+              </a:buClr>
+              <a:buFont typeface="Calibri" panose="020F0502020204030204" pitchFamily="34" charset="0"/>
+              <a:buChar char="&gt;"/>
+            </a:pPr>
+            <a:r>
+              <a:rPr lang="cs-CZ" sz="2000" dirty="0"/>
+              <a:t>ascii </a:t>
+            </a:r>
+            <a:r>
+              <a:rPr lang="cs-CZ" sz="2000" dirty="0" err="1"/>
+              <a:t>uppercase</a:t>
+            </a:r>
+            <a:r>
+              <a:rPr lang="cs-CZ" sz="2000" dirty="0"/>
+              <a:t> </a:t>
+            </a:r>
+            <a:r>
+              <a:rPr lang="cs-CZ" sz="2000" dirty="0" err="1"/>
+              <a:t>letters</a:t>
+            </a:r>
+            <a:r>
+              <a:rPr lang="cs-CZ" sz="2000" dirty="0"/>
+              <a:t> (A,B,C,…), </a:t>
+            </a:r>
+            <a:r>
+              <a:rPr lang="cs-CZ" sz="2000" dirty="0" err="1"/>
+              <a:t>different</a:t>
+            </a:r>
+            <a:r>
+              <a:rPr lang="cs-CZ" sz="2000" dirty="0"/>
+              <a:t> </a:t>
+            </a:r>
+            <a:r>
+              <a:rPr lang="cs-CZ" sz="2000" dirty="0" err="1"/>
+              <a:t>fonts</a:t>
+            </a:r>
+            <a:r>
+              <a:rPr lang="cs-CZ" sz="2000" dirty="0"/>
+              <a:t>.</a:t>
+            </a:r>
+          </a:p>
+          <a:p>
+            <a:pPr lvl="1">
+              <a:buFont typeface="Calibri" panose="020F0502020204030204" pitchFamily="34" charset="0"/>
+              <a:buChar char="&gt;"/>
+            </a:pPr>
+            <a:endParaRPr lang="cs-CZ" dirty="0"/>
+          </a:p>
+          <a:p>
+            <a:pPr lvl="1">
+              <a:buFont typeface="Calibri" panose="020F0502020204030204" pitchFamily="34" charset="0"/>
+              <a:buChar char="&gt;"/>
+            </a:pPr>
+            <a:endParaRPr lang="en-GB" dirty="0"/>
+          </a:p>
+        </p:txBody>
+      </p:sp>
+      <p:pic>
+        <p:nvPicPr>
+          <p:cNvPr id="5" name="Obrázek 4">
+            <a:extLst>
+              <a:ext uri="{FF2B5EF4-FFF2-40B4-BE49-F238E27FC236}">
+                <a16:creationId xmlns:a16="http://schemas.microsoft.com/office/drawing/2014/main" id="{3A9E13D7-08DA-4162-987B-AC4BA07036AB}"/>
+              </a:ext>
+            </a:extLst>
+          </p:cNvPr>
+          <p:cNvPicPr>
+            <a:picLocks noChangeAspect="1"/>
+          </p:cNvPicPr>
+          <p:nvPr/>
+        </p:nvPicPr>
+        <p:blipFill>
+          <a:blip r:embed="rId2"/>
+          <a:stretch>
+            <a:fillRect/>
+          </a:stretch>
+        </p:blipFill>
+        <p:spPr>
+          <a:xfrm>
+            <a:off x="1413642" y="4710724"/>
+            <a:ext cx="9364717" cy="1344194"/>
+          </a:xfrm>
+          <a:prstGeom prst="rect">
+            <a:avLst/>
+          </a:prstGeom>
+          <a:ln w="165100" cmpd="thickThin">
+            <a:solidFill>
+              <a:srgbClr val="FFC000"/>
+            </a:solidFill>
+          </a:ln>
+        </p:spPr>
+      </p:pic>
+    </p:spTree>
+    <p:extLst>
+      <p:ext uri="{BB962C8B-B14F-4D97-AF65-F5344CB8AC3E}">
+        <p14:creationId xmlns:p14="http://schemas.microsoft.com/office/powerpoint/2010/main" val="2360081958"/>
+      </p:ext>
+    </p:extLst>
+  </p:cSld>
+  <p:clrMapOvr>
+    <a:masterClrMapping/>
+  </p:clrMapOvr>
+</p:sld>
+</file>
+
+<file path=ppt/slides/slide4.xml><?xml version="1.0" encoding="utf-8"?>
+<p:sld xmlns:a="http://schemas.openxmlformats.org/drawingml/2006/main" xmlns:r="http://schemas.openxmlformats.org/officeDocument/2006/relationships" xmlns:p="http://schemas.openxmlformats.org/presentationml/2006/main">
+  <p:cSld>
+    <p:spTree>
+      <p:nvGrpSpPr>
+        <p:cNvPr id="1" name=""/>
+        <p:cNvGrpSpPr/>
+        <p:nvPr/>
+      </p:nvGrpSpPr>
+      <p:grpSpPr>
+        <a:xfrm>
+          <a:off x="0" y="0"/>
+          <a:ext cx="0" cy="0"/>
+          <a:chOff x="0" y="0"/>
+          <a:chExt cx="0" cy="0"/>
+        </a:xfrm>
+      </p:grpSpPr>
+      <p:sp>
+        <p:nvSpPr>
+          <p:cNvPr id="2" name="Nadpis 1">
+            <a:extLst>
+              <a:ext uri="{FF2B5EF4-FFF2-40B4-BE49-F238E27FC236}">
+                <a16:creationId xmlns:a16="http://schemas.microsoft.com/office/drawing/2014/main" id="{E785C1C8-7366-4EC9-9290-3F41C01C07FE}"/>
+              </a:ext>
+            </a:extLst>
+          </p:cNvPr>
+          <p:cNvSpPr>
+            <a:spLocks noGrp="1"/>
+          </p:cNvSpPr>
+          <p:nvPr>
+            <p:ph type="title"/>
+          </p:nvPr>
+        </p:nvSpPr>
+        <p:spPr/>
+        <p:txBody>
+          <a:bodyPr/>
+          <a:lstStyle/>
+          <a:p>
+            <a:r>
+              <a:rPr lang="cs-CZ" dirty="0" err="1">
+                <a:latin typeface="OCR A Extended" panose="02010509020102010303" pitchFamily="50" charset="0"/>
+              </a:rPr>
+              <a:t>Train</a:t>
+            </a:r>
+            <a:r>
+              <a:rPr lang="cs-CZ" dirty="0">
+                <a:latin typeface="OCR A Extended" panose="02010509020102010303" pitchFamily="50" charset="0"/>
+              </a:rPr>
+              <a:t> / Test </a:t>
+            </a:r>
+            <a:r>
+              <a:rPr lang="cs-CZ" dirty="0" err="1">
+                <a:latin typeface="OCR A Extended" panose="02010509020102010303" pitchFamily="50" charset="0"/>
+              </a:rPr>
+              <a:t>samples</a:t>
+            </a:r>
+            <a:endParaRPr lang="en-GB" dirty="0">
+              <a:latin typeface="OCR A Extended" panose="02010509020102010303" pitchFamily="50" charset="0"/>
+            </a:endParaRPr>
+          </a:p>
+        </p:txBody>
+      </p:sp>
+      <p:sp>
+        <p:nvSpPr>
+          <p:cNvPr id="3" name="Zástupný obsah 2">
+            <a:extLst>
+              <a:ext uri="{FF2B5EF4-FFF2-40B4-BE49-F238E27FC236}">
+                <a16:creationId xmlns:a16="http://schemas.microsoft.com/office/drawing/2014/main" id="{9D408D01-576E-4CFF-9509-4C9DC25D6505}"/>
+              </a:ext>
+            </a:extLst>
+          </p:cNvPr>
+          <p:cNvSpPr>
+            <a:spLocks noGrp="1"/>
+          </p:cNvSpPr>
+          <p:nvPr>
+            <p:ph idx="1"/>
+          </p:nvPr>
+        </p:nvSpPr>
+        <p:spPr/>
+        <p:txBody>
+          <a:bodyPr/>
+          <a:lstStyle/>
+          <a:p>
+            <a:endParaRPr lang="en-GB"/>
+          </a:p>
+        </p:txBody>
+      </p:sp>
+    </p:spTree>
+    <p:extLst>
+      <p:ext uri="{BB962C8B-B14F-4D97-AF65-F5344CB8AC3E}">
+        <p14:creationId xmlns:p14="http://schemas.microsoft.com/office/powerpoint/2010/main" val="3034353790"/>
+      </p:ext>
+    </p:extLst>
+  </p:cSld>
+  <p:clrMapOvr>
+    <a:masterClrMapping/>
+  </p:clrMapOvr>
+</p:sld>
+</file>
+
+<file path=ppt/slides/slide5.xml><?xml version="1.0" encoding="utf-8"?>
+<p:sld xmlns:a="http://schemas.openxmlformats.org/drawingml/2006/main" xmlns:r="http://schemas.openxmlformats.org/officeDocument/2006/relationships" xmlns:p="http://schemas.openxmlformats.org/presentationml/2006/main">
+  <p:cSld>
+    <p:spTree>
+      <p:nvGrpSpPr>
+        <p:cNvPr id="1" name=""/>
+        <p:cNvGrpSpPr/>
+        <p:nvPr/>
+      </p:nvGrpSpPr>
+      <p:grpSpPr>
+        <a:xfrm>
+          <a:off x="0" y="0"/>
+          <a:ext cx="0" cy="0"/>
+          <a:chOff x="0" y="0"/>
+          <a:chExt cx="0" cy="0"/>
+        </a:xfrm>
+      </p:grpSpPr>
+      <p:sp>
+        <p:nvSpPr>
+          <p:cNvPr id="2" name="Nadpis 1">
+            <a:extLst>
+              <a:ext uri="{FF2B5EF4-FFF2-40B4-BE49-F238E27FC236}">
                 <a16:creationId xmlns:a16="http://schemas.microsoft.com/office/drawing/2014/main" id="{DC236DC7-F376-493B-821A-6D6A7C6FD950}"/>
               </a:ext>
             </a:extLst>
@@ -4398,6 +4761,41 @@
           </a:p>
         </p:txBody>
       </p:sp>
+      <p:pic>
+        <p:nvPicPr>
+          <p:cNvPr id="4" name="Obrázek 3">
+            <a:extLst>
+              <a:ext uri="{FF2B5EF4-FFF2-40B4-BE49-F238E27FC236}">
+                <a16:creationId xmlns:a16="http://schemas.microsoft.com/office/drawing/2014/main" id="{0149CA79-12B2-4922-B6D2-9B5DB60E7189}"/>
+              </a:ext>
+            </a:extLst>
+          </p:cNvPr>
+          <p:cNvPicPr>
+            <a:picLocks noChangeAspect="1"/>
+          </p:cNvPicPr>
+          <p:nvPr/>
+        </p:nvPicPr>
+        <p:blipFill rotWithShape="1">
+          <a:blip r:embed="rId2">
+            <a:extLst>
+              <a:ext uri="{28A0092B-C50C-407E-A947-70E740481C1C}">
+                <a14:useLocalDpi xmlns:a14="http://schemas.microsoft.com/office/drawing/2010/main" val="0"/>
+              </a:ext>
+            </a:extLst>
+          </a:blip>
+          <a:srcRect t="71911" b="1"/>
+          <a:stretch/>
+        </p:blipFill>
+        <p:spPr>
+          <a:xfrm flipH="1" flipV="1">
+            <a:off x="95860" y="5879235"/>
+            <a:ext cx="3389400" cy="978765"/>
+          </a:xfrm>
+          <a:prstGeom prst="rect">
+            <a:avLst/>
+          </a:prstGeom>
+        </p:spPr>
+      </p:pic>
     </p:spTree>
     <p:extLst>
       <p:ext uri="{BB962C8B-B14F-4D97-AF65-F5344CB8AC3E}">
@@ -4411,7 +4809,7 @@
 </p:sld>
 </file>
 
-<file path=ppt/slides/slide4.xml><?xml version="1.0" encoding="utf-8"?>
+<file path=ppt/slides/slide6.xml><?xml version="1.0" encoding="utf-8"?>
 <p:sld xmlns:a="http://schemas.openxmlformats.org/drawingml/2006/main" xmlns:r="http://schemas.openxmlformats.org/officeDocument/2006/relationships" xmlns:p="http://schemas.openxmlformats.org/presentationml/2006/main">
   <p:cSld>
     <p:spTree>

--- a/Final_presentation_draft.pptx
+++ b/Final_presentation_draft.pptx
@@ -8,9 +8,11 @@
     <p:sldId id="256" r:id="rId2"/>
     <p:sldId id="257" r:id="rId3"/>
     <p:sldId id="260" r:id="rId4"/>
-    <p:sldId id="261" r:id="rId5"/>
+    <p:sldId id="262" r:id="rId5"/>
     <p:sldId id="258" r:id="rId6"/>
-    <p:sldId id="259" r:id="rId7"/>
+    <p:sldId id="263" r:id="rId7"/>
+    <p:sldId id="264" r:id="rId8"/>
+    <p:sldId id="259" r:id="rId9"/>
   </p:sldIdLst>
   <p:sldSz cx="12192000" cy="6858000"/>
   <p:notesSz cx="6858000" cy="9144000"/>
@@ -278,7 +280,7 @@
           <a:p>
             <a:fld id="{377FF098-CDFA-4D8A-A977-0D920ED29423}" type="datetimeFigureOut">
               <a:rPr lang="en-GB" smtClean="0"/>
-              <a:t>25/12/2021</a:t>
+              <a:t>27/12/2021</a:t>
             </a:fld>
             <a:endParaRPr lang="en-GB"/>
           </a:p>
@@ -478,7 +480,7 @@
           <a:p>
             <a:fld id="{377FF098-CDFA-4D8A-A977-0D920ED29423}" type="datetimeFigureOut">
               <a:rPr lang="en-GB" smtClean="0"/>
-              <a:t>25/12/2021</a:t>
+              <a:t>27/12/2021</a:t>
             </a:fld>
             <a:endParaRPr lang="en-GB"/>
           </a:p>
@@ -688,7 +690,7 @@
           <a:p>
             <a:fld id="{377FF098-CDFA-4D8A-A977-0D920ED29423}" type="datetimeFigureOut">
               <a:rPr lang="en-GB" smtClean="0"/>
-              <a:t>25/12/2021</a:t>
+              <a:t>27/12/2021</a:t>
             </a:fld>
             <a:endParaRPr lang="en-GB"/>
           </a:p>
@@ -888,7 +890,7 @@
           <a:p>
             <a:fld id="{377FF098-CDFA-4D8A-A977-0D920ED29423}" type="datetimeFigureOut">
               <a:rPr lang="en-GB" smtClean="0"/>
-              <a:t>25/12/2021</a:t>
+              <a:t>27/12/2021</a:t>
             </a:fld>
             <a:endParaRPr lang="en-GB"/>
           </a:p>
@@ -1164,7 +1166,7 @@
           <a:p>
             <a:fld id="{377FF098-CDFA-4D8A-A977-0D920ED29423}" type="datetimeFigureOut">
               <a:rPr lang="en-GB" smtClean="0"/>
-              <a:t>25/12/2021</a:t>
+              <a:t>27/12/2021</a:t>
             </a:fld>
             <a:endParaRPr lang="en-GB"/>
           </a:p>
@@ -1432,7 +1434,7 @@
           <a:p>
             <a:fld id="{377FF098-CDFA-4D8A-A977-0D920ED29423}" type="datetimeFigureOut">
               <a:rPr lang="en-GB" smtClean="0"/>
-              <a:t>25/12/2021</a:t>
+              <a:t>27/12/2021</a:t>
             </a:fld>
             <a:endParaRPr lang="en-GB"/>
           </a:p>
@@ -1847,7 +1849,7 @@
           <a:p>
             <a:fld id="{377FF098-CDFA-4D8A-A977-0D920ED29423}" type="datetimeFigureOut">
               <a:rPr lang="en-GB" smtClean="0"/>
-              <a:t>25/12/2021</a:t>
+              <a:t>27/12/2021</a:t>
             </a:fld>
             <a:endParaRPr lang="en-GB"/>
           </a:p>
@@ -1989,7 +1991,7 @@
           <a:p>
             <a:fld id="{377FF098-CDFA-4D8A-A977-0D920ED29423}" type="datetimeFigureOut">
               <a:rPr lang="en-GB" smtClean="0"/>
-              <a:t>25/12/2021</a:t>
+              <a:t>27/12/2021</a:t>
             </a:fld>
             <a:endParaRPr lang="en-GB"/>
           </a:p>
@@ -2102,7 +2104,7 @@
           <a:p>
             <a:fld id="{377FF098-CDFA-4D8A-A977-0D920ED29423}" type="datetimeFigureOut">
               <a:rPr lang="en-GB" smtClean="0"/>
-              <a:t>25/12/2021</a:t>
+              <a:t>27/12/2021</a:t>
             </a:fld>
             <a:endParaRPr lang="en-GB"/>
           </a:p>
@@ -2415,7 +2417,7 @@
           <a:p>
             <a:fld id="{377FF098-CDFA-4D8A-A977-0D920ED29423}" type="datetimeFigureOut">
               <a:rPr lang="en-GB" smtClean="0"/>
-              <a:t>25/12/2021</a:t>
+              <a:t>27/12/2021</a:t>
             </a:fld>
             <a:endParaRPr lang="en-GB"/>
           </a:p>
@@ -2704,7 +2706,7 @@
           <a:p>
             <a:fld id="{377FF098-CDFA-4D8A-A977-0D920ED29423}" type="datetimeFigureOut">
               <a:rPr lang="en-GB" smtClean="0"/>
-              <a:t>25/12/2021</a:t>
+              <a:t>27/12/2021</a:t>
             </a:fld>
             <a:endParaRPr lang="en-GB"/>
           </a:p>
@@ -2947,7 +2949,7 @@
           <a:p>
             <a:fld id="{377FF098-CDFA-4D8A-A977-0D920ED29423}" type="datetimeFigureOut">
               <a:rPr lang="en-GB" smtClean="0"/>
-              <a:t>25/12/2021</a:t>
+              <a:t>27/12/2021</a:t>
             </a:fld>
             <a:endParaRPr lang="en-GB"/>
           </a:p>
@@ -3975,11 +3977,15 @@
             </a:r>
             <a:r>
               <a:rPr lang="en-GB" sz="2400" dirty="0" err="1"/>
-              <a:t>requieres</a:t>
+              <a:t>requ</a:t>
+            </a:r>
+            <a:r>
+              <a:rPr lang="cs-CZ" sz="2400" dirty="0" err="1"/>
+              <a:t>ie</a:t>
             </a:r>
             <a:r>
               <a:rPr lang="en-GB" sz="2400" dirty="0"/>
-              <a:t> someone to correctly evaluate and enter a sequence of letters or numbers perceptible in a distorted image displayed on the screen.</a:t>
+              <a:t>res someone to correctly evaluate and enter a sequence of letters or numbers perceptible in a distorted image displayed on the screen.</a:t>
             </a:r>
           </a:p>
           <a:p>
@@ -4079,7 +4085,7 @@
         </p:blipFill>
         <p:spPr>
           <a:xfrm>
-            <a:off x="8728131" y="0"/>
+            <a:off x="8728131" y="-16778"/>
             <a:ext cx="3389400" cy="978765"/>
           </a:xfrm>
           <a:prstGeom prst="rect">
@@ -4281,7 +4287,12 @@
             <p:ph idx="1"/>
           </p:nvPr>
         </p:nvSpPr>
-        <p:spPr/>
+        <p:spPr>
+          <a:xfrm>
+            <a:off x="838200" y="1553064"/>
+            <a:ext cx="10515600" cy="4351338"/>
+          </a:xfrm>
+        </p:spPr>
         <p:txBody>
           <a:bodyPr/>
           <a:lstStyle/>
@@ -4443,23 +4454,7 @@
             </a:r>
             <a:r>
               <a:rPr lang="cs-CZ" sz="2000" dirty="0"/>
-              <a:t>…), </a:t>
-            </a:r>
-            <a:r>
-              <a:rPr lang="cs-CZ" sz="2000" dirty="0" err="1"/>
-              <a:t>different</a:t>
-            </a:r>
-            <a:r>
-              <a:rPr lang="cs-CZ" sz="2000" dirty="0"/>
-              <a:t> </a:t>
-            </a:r>
-            <a:r>
-              <a:rPr lang="cs-CZ" sz="2000" dirty="0" err="1"/>
-              <a:t>fonts</a:t>
-            </a:r>
-            <a:r>
-              <a:rPr lang="cs-CZ" sz="2000" dirty="0"/>
-              <a:t>;</a:t>
+              <a:t>…);</a:t>
             </a:r>
           </a:p>
           <a:p>
@@ -4491,23 +4486,72 @@
             </a:r>
             <a:r>
               <a:rPr lang="cs-CZ" sz="2000" dirty="0"/>
-              <a:t> (A,B,C,…), </a:t>
-            </a:r>
-            <a:r>
-              <a:rPr lang="cs-CZ" sz="2000" dirty="0" err="1"/>
+              <a:t> (A,B,C,…);</a:t>
+            </a:r>
+          </a:p>
+          <a:p>
+            <a:pPr marL="0" indent="0">
+              <a:lnSpc>
+                <a:spcPct val="150000"/>
+              </a:lnSpc>
+              <a:buClr>
+                <a:srgbClr val="FFC000"/>
+              </a:buClr>
+              <a:buNone/>
+            </a:pPr>
+            <a:r>
+              <a:rPr lang="cs-CZ" sz="2200" dirty="0" err="1"/>
+              <a:t>written</a:t>
+            </a:r>
+            <a:r>
+              <a:rPr lang="cs-CZ" sz="2200" dirty="0"/>
+              <a:t> in </a:t>
+            </a:r>
+            <a:r>
+              <a:rPr lang="cs-CZ" sz="2200" dirty="0" err="1"/>
+              <a:t>three</a:t>
+            </a:r>
+            <a:r>
+              <a:rPr lang="cs-CZ" sz="2200" dirty="0"/>
+              <a:t> </a:t>
+            </a:r>
+            <a:r>
+              <a:rPr lang="cs-CZ" sz="2200" dirty="0" err="1"/>
               <a:t>different</a:t>
             </a:r>
             <a:r>
-              <a:rPr lang="cs-CZ" sz="2000" dirty="0"/>
+              <a:rPr lang="cs-CZ" sz="2200" dirty="0"/>
               <a:t> </a:t>
             </a:r>
             <a:r>
-              <a:rPr lang="cs-CZ" sz="2000" dirty="0" err="1"/>
+              <a:rPr lang="cs-CZ" sz="2200" dirty="0" err="1"/>
               <a:t>fonts</a:t>
             </a:r>
             <a:r>
-              <a:rPr lang="cs-CZ" sz="2000" dirty="0"/>
-              <a:t>.</a:t>
+              <a:rPr lang="cs-CZ" sz="2200" dirty="0"/>
+              <a:t> (</a:t>
+            </a:r>
+            <a:r>
+              <a:rPr lang="cs-CZ" sz="2200" dirty="0">
+                <a:latin typeface="Times New Roman" panose="02020603050405020304" pitchFamily="18" charset="0"/>
+                <a:cs typeface="Times New Roman" panose="02020603050405020304" pitchFamily="18" charset="0"/>
+              </a:rPr>
+              <a:t>Times New Roman</a:t>
+            </a:r>
+            <a:r>
+              <a:rPr lang="cs-CZ" sz="2200" dirty="0"/>
+              <a:t>, </a:t>
+            </a:r>
+            <a:r>
+              <a:rPr lang="cs-CZ" sz="2200" dirty="0">
+                <a:latin typeface="Arial" panose="020B0604020202020204" pitchFamily="34" charset="0"/>
+                <a:cs typeface="Arial" panose="020B0604020202020204" pitchFamily="34" charset="0"/>
+              </a:rPr>
+              <a:t>Arial</a:t>
+            </a:r>
+            <a:r>
+              <a:rPr lang="cs-CZ" sz="2200" dirty="0"/>
+              <a:t>, Calibri). </a:t>
             </a:r>
           </a:p>
           <a:p>
@@ -4555,10 +4599,43 @@
             <a:avLst/>
           </a:prstGeom>
           <a:ln w="165100" cmpd="thickThin">
-            <a:solidFill>
-              <a:srgbClr val="FFC000"/>
-            </a:solidFill>
+            <a:noFill/>
           </a:ln>
+        </p:spPr>
+      </p:pic>
+      <p:pic>
+        <p:nvPicPr>
+          <p:cNvPr id="6" name="Obrázek 5">
+            <a:extLst>
+              <a:ext uri="{FF2B5EF4-FFF2-40B4-BE49-F238E27FC236}">
+                <a16:creationId xmlns:a16="http://schemas.microsoft.com/office/drawing/2014/main" id="{19A82D27-2BC9-4350-A778-E7C8F944D26E}"/>
+              </a:ext>
+            </a:extLst>
+          </p:cNvPr>
+          <p:cNvPicPr>
+            <a:picLocks noChangeAspect="1"/>
+          </p:cNvPicPr>
+          <p:nvPr/>
+        </p:nvPicPr>
+        <p:blipFill rotWithShape="1">
+          <a:blip r:embed="rId3">
+            <a:extLst>
+              <a:ext uri="{28A0092B-C50C-407E-A947-70E740481C1C}">
+                <a14:useLocalDpi xmlns:a14="http://schemas.microsoft.com/office/drawing/2010/main" val="0"/>
+              </a:ext>
+            </a:extLst>
+          </a:blip>
+          <a:srcRect t="71911" b="1"/>
+          <a:stretch/>
+        </p:blipFill>
+        <p:spPr>
+          <a:xfrm flipV="1">
+            <a:off x="9024935" y="5904402"/>
+            <a:ext cx="3389400" cy="978765"/>
+          </a:xfrm>
+          <a:prstGeom prst="rect">
+            <a:avLst/>
+          </a:prstGeom>
         </p:spPr>
       </p:pic>
     </p:spTree>
@@ -4593,10 +4670,176 @@
       </p:grpSpPr>
       <p:sp>
         <p:nvSpPr>
+          <p:cNvPr id="7" name="Zástupný obsah 6">
+            <a:extLst>
+              <a:ext uri="{FF2B5EF4-FFF2-40B4-BE49-F238E27FC236}">
+                <a16:creationId xmlns:a16="http://schemas.microsoft.com/office/drawing/2014/main" id="{FDE804B4-278D-4CE8-9CF6-456DCE3EA179}"/>
+              </a:ext>
+            </a:extLst>
+          </p:cNvPr>
+          <p:cNvSpPr>
+            <a:spLocks noGrp="1"/>
+          </p:cNvSpPr>
+          <p:nvPr>
+            <p:ph idx="1"/>
+          </p:nvPr>
+        </p:nvSpPr>
+        <p:spPr>
+          <a:xfrm>
+            <a:off x="838200" y="1557177"/>
+            <a:ext cx="10515600" cy="4351338"/>
+          </a:xfrm>
+        </p:spPr>
+        <p:txBody>
+          <a:bodyPr>
+            <a:normAutofit/>
+          </a:bodyPr>
+          <a:lstStyle/>
+          <a:p>
+            <a:pPr marL="0" indent="0">
+              <a:lnSpc>
+                <a:spcPct val="150000"/>
+              </a:lnSpc>
+              <a:buNone/>
+            </a:pPr>
+            <a:r>
+              <a:rPr lang="cs-CZ" sz="2200" dirty="0" err="1"/>
+              <a:t>Two</a:t>
+            </a:r>
+            <a:r>
+              <a:rPr lang="cs-CZ" sz="2200" dirty="0"/>
+              <a:t> </a:t>
+            </a:r>
+            <a:r>
+              <a:rPr lang="cs-CZ" sz="2200" dirty="0" err="1"/>
+              <a:t>models</a:t>
+            </a:r>
+            <a:r>
+              <a:rPr lang="cs-CZ" sz="2200" dirty="0"/>
+              <a:t> </a:t>
+            </a:r>
+            <a:r>
+              <a:rPr lang="cs-CZ" sz="2200" dirty="0" err="1"/>
+              <a:t>with</a:t>
+            </a:r>
+            <a:r>
+              <a:rPr lang="cs-CZ" sz="2200" dirty="0"/>
+              <a:t> </a:t>
+            </a:r>
+            <a:r>
+              <a:rPr lang="cs-CZ" sz="2200" dirty="0" err="1"/>
+              <a:t>different</a:t>
+            </a:r>
+            <a:r>
+              <a:rPr lang="cs-CZ" sz="2200" dirty="0"/>
+              <a:t> level </a:t>
+            </a:r>
+            <a:r>
+              <a:rPr lang="cs-CZ" sz="2200" dirty="0" err="1"/>
+              <a:t>of</a:t>
+            </a:r>
+            <a:r>
+              <a:rPr lang="cs-CZ" sz="2200" dirty="0"/>
+              <a:t> </a:t>
+            </a:r>
+            <a:r>
+              <a:rPr lang="cs-CZ" sz="2200" dirty="0" err="1"/>
+              <a:t>difficulty</a:t>
+            </a:r>
+            <a:r>
+              <a:rPr lang="cs-CZ" sz="2200" dirty="0"/>
+              <a:t> </a:t>
+            </a:r>
+            <a:r>
+              <a:rPr lang="cs-CZ" sz="2200" dirty="0" err="1"/>
+              <a:t>were</a:t>
+            </a:r>
+            <a:r>
+              <a:rPr lang="cs-CZ" sz="2200" dirty="0"/>
+              <a:t> </a:t>
+            </a:r>
+            <a:r>
+              <a:rPr lang="cs-CZ" sz="2200" dirty="0" err="1"/>
+              <a:t>created</a:t>
+            </a:r>
+            <a:r>
+              <a:rPr lang="cs-CZ" sz="2200" dirty="0"/>
+              <a:t>:</a:t>
+            </a:r>
+          </a:p>
+          <a:p>
+            <a:pPr marL="0" indent="0">
+              <a:lnSpc>
+                <a:spcPct val="150000"/>
+              </a:lnSpc>
+              <a:buNone/>
+            </a:pPr>
+            <a:r>
+              <a:rPr lang="cs-CZ" sz="2200" dirty="0"/>
+              <a:t>	</a:t>
+            </a:r>
+            <a:r>
+              <a:rPr lang="cs-CZ" sz="2200" b="1" dirty="0">
+                <a:solidFill>
+                  <a:srgbClr val="FFC000"/>
+                </a:solidFill>
+              </a:rPr>
+              <a:t>basic model </a:t>
+            </a:r>
+            <a:r>
+              <a:rPr lang="cs-CZ" sz="2200" dirty="0" err="1"/>
+              <a:t>for</a:t>
+            </a:r>
+            <a:r>
+              <a:rPr lang="cs-CZ" sz="2200" dirty="0"/>
+              <a:t> 4-symbols-CAPTCHA </a:t>
+            </a:r>
+          </a:p>
+          <a:p>
+            <a:pPr marL="0" indent="0">
+              <a:lnSpc>
+                <a:spcPct val="150000"/>
+              </a:lnSpc>
+              <a:buNone/>
+            </a:pPr>
+            <a:r>
+              <a:rPr lang="cs-CZ" sz="2200" dirty="0"/>
+              <a:t>	</a:t>
+            </a:r>
+            <a:r>
+              <a:rPr lang="cs-CZ" sz="2200" b="1" dirty="0" err="1">
+                <a:solidFill>
+                  <a:srgbClr val="FFC000"/>
+                </a:solidFill>
+              </a:rPr>
+              <a:t>challenging</a:t>
+            </a:r>
+            <a:r>
+              <a:rPr lang="cs-CZ" sz="2200" b="1" dirty="0">
+                <a:solidFill>
+                  <a:srgbClr val="FFC000"/>
+                </a:solidFill>
+              </a:rPr>
+              <a:t> model </a:t>
+            </a:r>
+            <a:r>
+              <a:rPr lang="cs-CZ" sz="2200" dirty="0" err="1"/>
+              <a:t>for</a:t>
+            </a:r>
+            <a:r>
+              <a:rPr lang="cs-CZ" sz="2200" dirty="0"/>
+              <a:t> 6-symbols-CAPTCHA </a:t>
+            </a:r>
+            <a:endParaRPr lang="en-GB" sz="2200" dirty="0"/>
+          </a:p>
+        </p:txBody>
+      </p:sp>
+      <p:sp>
+        <p:nvSpPr>
           <p:cNvPr id="2" name="Nadpis 1">
             <a:extLst>
               <a:ext uri="{FF2B5EF4-FFF2-40B4-BE49-F238E27FC236}">
-                <a16:creationId xmlns:a16="http://schemas.microsoft.com/office/drawing/2014/main" id="{E785C1C8-7366-4EC9-9290-3F41C01C07FE}"/>
+                <a16:creationId xmlns:a16="http://schemas.microsoft.com/office/drawing/2014/main" id="{45F0087F-BF77-484A-B230-D9B594A29A45}"/>
               </a:ext>
             </a:extLst>
           </p:cNvPr>
@@ -4612,59 +4855,821 @@
           <a:bodyPr/>
           <a:lstStyle/>
           <a:p>
+            <a:r>
+              <a:rPr lang="cs-CZ" dirty="0">
+                <a:latin typeface="OCR A Extended" panose="02010509020102010303" pitchFamily="50" charset="0"/>
+              </a:rPr>
+              <a:t>Data </a:t>
+            </a:r>
             <a:r>
               <a:rPr lang="cs-CZ" dirty="0" err="1">
                 <a:latin typeface="OCR A Extended" panose="02010509020102010303" pitchFamily="50" charset="0"/>
               </a:rPr>
-              <a:t>Train</a:t>
-            </a:r>
-            <a:r>
-              <a:rPr lang="cs-CZ" dirty="0">
-                <a:latin typeface="OCR A Extended" panose="02010509020102010303" pitchFamily="50" charset="0"/>
-              </a:rPr>
-              <a:t> / Test </a:t>
-            </a:r>
-            <a:r>
-              <a:rPr lang="cs-CZ" dirty="0" err="1">
-                <a:latin typeface="OCR A Extended" panose="02010509020102010303" pitchFamily="50" charset="0"/>
-              </a:rPr>
-              <a:t>samples</a:t>
-            </a:r>
-            <a:endParaRPr lang="en-GB" dirty="0">
+              <a:t>preparation</a:t>
+            </a:r>
+            <a:endParaRPr lang="cs-CZ" dirty="0">
               <a:latin typeface="OCR A Extended" panose="02010509020102010303" pitchFamily="50" charset="0"/>
             </a:endParaRPr>
           </a:p>
         </p:txBody>
       </p:sp>
-      <p:sp>
-        <p:nvSpPr>
-          <p:cNvPr id="3" name="Zástupný obsah 2">
-            <a:extLst>
-              <a:ext uri="{FF2B5EF4-FFF2-40B4-BE49-F238E27FC236}">
-                <a16:creationId xmlns:a16="http://schemas.microsoft.com/office/drawing/2014/main" id="{9D408D01-576E-4CFF-9509-4C9DC25D6505}"/>
-              </a:ext>
-            </a:extLst>
-          </p:cNvPr>
-          <p:cNvSpPr>
-            <a:spLocks noGrp="1"/>
-          </p:cNvSpPr>
-          <p:nvPr>
-            <p:ph idx="1"/>
-          </p:nvPr>
-        </p:nvSpPr>
-        <p:spPr/>
-        <p:txBody>
-          <a:bodyPr/>
-          <a:lstStyle/>
-          <a:p>
-            <a:endParaRPr lang="en-GB"/>
-          </a:p>
-        </p:txBody>
-      </p:sp>
+      <p:pic>
+        <p:nvPicPr>
+          <p:cNvPr id="6" name="Obrázek 5">
+            <a:extLst>
+              <a:ext uri="{FF2B5EF4-FFF2-40B4-BE49-F238E27FC236}">
+                <a16:creationId xmlns:a16="http://schemas.microsoft.com/office/drawing/2014/main" id="{19A82D27-2BC9-4350-A778-E7C8F944D26E}"/>
+              </a:ext>
+            </a:extLst>
+          </p:cNvPr>
+          <p:cNvPicPr>
+            <a:picLocks noChangeAspect="1"/>
+          </p:cNvPicPr>
+          <p:nvPr/>
+        </p:nvPicPr>
+        <p:blipFill rotWithShape="1">
+          <a:blip r:embed="rId2">
+            <a:extLst>
+              <a:ext uri="{28A0092B-C50C-407E-A947-70E740481C1C}">
+                <a14:useLocalDpi xmlns:a14="http://schemas.microsoft.com/office/drawing/2010/main" val="0"/>
+              </a:ext>
+            </a:extLst>
+          </a:blip>
+          <a:srcRect t="71911" b="1"/>
+          <a:stretch/>
+        </p:blipFill>
+        <p:spPr>
+          <a:xfrm flipV="1">
+            <a:off x="9024935" y="5904402"/>
+            <a:ext cx="3389400" cy="978765"/>
+          </a:xfrm>
+          <a:prstGeom prst="rect">
+            <a:avLst/>
+          </a:prstGeom>
+        </p:spPr>
+      </p:pic>
+      <p:graphicFrame>
+        <p:nvGraphicFramePr>
+          <p:cNvPr id="8" name="Tabulka 4">
+            <a:extLst>
+              <a:ext uri="{FF2B5EF4-FFF2-40B4-BE49-F238E27FC236}">
+                <a16:creationId xmlns:a16="http://schemas.microsoft.com/office/drawing/2014/main" id="{F9EB7974-55F9-4743-84C2-05A7798D7FD6}"/>
+              </a:ext>
+            </a:extLst>
+          </p:cNvPr>
+          <p:cNvGraphicFramePr>
+            <a:graphicFrameLocks/>
+          </p:cNvGraphicFramePr>
+          <p:nvPr>
+            <p:extLst>
+              <p:ext uri="{D42A27DB-BD31-4B8C-83A1-F6EECF244321}">
+                <p14:modId xmlns:p14="http://schemas.microsoft.com/office/powerpoint/2010/main" val="1914874513"/>
+              </p:ext>
+            </p:extLst>
+          </p:nvPr>
+        </p:nvGraphicFramePr>
+        <p:xfrm>
+          <a:off x="1531530" y="3823792"/>
+          <a:ext cx="9128941" cy="1936080"/>
+        </p:xfrm>
+        <a:graphic>
+          <a:graphicData uri="http://schemas.openxmlformats.org/drawingml/2006/table">
+            <a:tbl>
+              <a:tblPr firstRow="1" bandRow="1">
+                <a:tableStyleId>{5C22544A-7EE6-4342-B048-85BDC9FD1C3A}</a:tableStyleId>
+              </a:tblPr>
+              <a:tblGrid>
+                <a:gridCol w="2486728">
+                  <a:extLst>
+                    <a:ext uri="{9D8B030D-6E8A-4147-A177-3AD203B41FA5}">
+                      <a16:colId xmlns:a16="http://schemas.microsoft.com/office/drawing/2014/main" val="1918285315"/>
+                    </a:ext>
+                  </a:extLst>
+                </a:gridCol>
+                <a:gridCol w="2772000">
+                  <a:extLst>
+                    <a:ext uri="{9D8B030D-6E8A-4147-A177-3AD203B41FA5}">
+                      <a16:colId xmlns:a16="http://schemas.microsoft.com/office/drawing/2014/main" val="3557262724"/>
+                    </a:ext>
+                  </a:extLst>
+                </a:gridCol>
+                <a:gridCol w="1098213">
+                  <a:extLst>
+                    <a:ext uri="{9D8B030D-6E8A-4147-A177-3AD203B41FA5}">
+                      <a16:colId xmlns:a16="http://schemas.microsoft.com/office/drawing/2014/main" val="37097209"/>
+                    </a:ext>
+                  </a:extLst>
+                </a:gridCol>
+                <a:gridCol w="2772000">
+                  <a:extLst>
+                    <a:ext uri="{9D8B030D-6E8A-4147-A177-3AD203B41FA5}">
+                      <a16:colId xmlns:a16="http://schemas.microsoft.com/office/drawing/2014/main" val="4212611531"/>
+                    </a:ext>
+                  </a:extLst>
+                </a:gridCol>
+              </a:tblGrid>
+              <a:tr h="0">
+                <a:tc>
+                  <a:txBody>
+                    <a:bodyPr/>
+                    <a:lstStyle/>
+                    <a:p>
+                      <a:pPr algn="ctr"/>
+                      <a:endParaRPr lang="en-GB" dirty="0">
+                        <a:solidFill>
+                          <a:schemeClr val="tx1"/>
+                        </a:solidFill>
+                        <a:latin typeface="OCR A Extended" panose="02010509020102010303" pitchFamily="50" charset="0"/>
+                      </a:endParaRPr>
+                    </a:p>
+                  </a:txBody>
+                  <a:tcPr anchor="ctr">
+                    <a:lnL w="12700" cap="flat" cmpd="sng" algn="ctr">
+                      <a:noFill/>
+                      <a:prstDash val="solid"/>
+                      <a:round/>
+                      <a:headEnd type="none" w="med" len="med"/>
+                      <a:tailEnd type="none" w="med" len="med"/>
+                    </a:lnL>
+                    <a:lnR w="12700" cap="flat" cmpd="sng" algn="ctr">
+                      <a:noFill/>
+                      <a:prstDash val="solid"/>
+                      <a:round/>
+                      <a:headEnd type="none" w="med" len="med"/>
+                      <a:tailEnd type="none" w="med" len="med"/>
+                    </a:lnR>
+                    <a:lnT w="12700" cap="flat" cmpd="sng" algn="ctr">
+                      <a:noFill/>
+                      <a:prstDash val="solid"/>
+                      <a:round/>
+                      <a:headEnd type="none" w="med" len="med"/>
+                      <a:tailEnd type="none" w="med" len="med"/>
+                    </a:lnT>
+                    <a:lnB w="12700" cap="flat" cmpd="sng" algn="ctr">
+                      <a:noFill/>
+                      <a:prstDash val="solid"/>
+                      <a:round/>
+                      <a:headEnd type="none" w="med" len="med"/>
+                      <a:tailEnd type="none" w="med" len="med"/>
+                    </a:lnB>
+                    <a:lnTlToBr w="12700" cmpd="sng">
+                      <a:noFill/>
+                      <a:prstDash val="solid"/>
+                    </a:lnTlToBr>
+                    <a:lnBlToTr w="12700" cmpd="sng">
+                      <a:noFill/>
+                      <a:prstDash val="solid"/>
+                    </a:lnBlToTr>
+                    <a:solidFill>
+                      <a:srgbClr val="FFC000"/>
+                    </a:solidFill>
+                  </a:tcPr>
+                </a:tc>
+                <a:tc>
+                  <a:txBody>
+                    <a:bodyPr/>
+                    <a:lstStyle/>
+                    <a:p>
+                      <a:pPr algn="ctr"/>
+                      <a:r>
+                        <a:rPr lang="cs-CZ" spc="300" dirty="0">
+                          <a:solidFill>
+                            <a:schemeClr val="tx1"/>
+                          </a:solidFill>
+                          <a:latin typeface="+mn-lt"/>
+                        </a:rPr>
+                        <a:t>BASIC </a:t>
+                      </a:r>
+                    </a:p>
+                    <a:p>
+                      <a:pPr algn="ctr"/>
+                      <a:r>
+                        <a:rPr lang="cs-CZ" spc="300" dirty="0">
+                          <a:solidFill>
+                            <a:schemeClr val="tx1"/>
+                          </a:solidFill>
+                          <a:latin typeface="+mn-lt"/>
+                        </a:rPr>
+                        <a:t>MODEL </a:t>
+                      </a:r>
+                    </a:p>
+                  </a:txBody>
+                  <a:tcPr anchor="ctr">
+                    <a:lnL w="12700" cap="flat" cmpd="sng" algn="ctr">
+                      <a:noFill/>
+                      <a:prstDash val="solid"/>
+                      <a:round/>
+                      <a:headEnd type="none" w="med" len="med"/>
+                      <a:tailEnd type="none" w="med" len="med"/>
+                    </a:lnL>
+                    <a:lnR w="12700" cap="flat" cmpd="sng" algn="ctr">
+                      <a:noFill/>
+                      <a:prstDash val="solid"/>
+                      <a:round/>
+                      <a:headEnd type="none" w="med" len="med"/>
+                      <a:tailEnd type="none" w="med" len="med"/>
+                    </a:lnR>
+                    <a:lnT w="12700" cap="flat" cmpd="sng" algn="ctr">
+                      <a:noFill/>
+                      <a:prstDash val="solid"/>
+                      <a:round/>
+                      <a:headEnd type="none" w="med" len="med"/>
+                      <a:tailEnd type="none" w="med" len="med"/>
+                    </a:lnT>
+                    <a:lnB w="12700" cap="flat" cmpd="sng" algn="ctr">
+                      <a:noFill/>
+                      <a:prstDash val="solid"/>
+                      <a:round/>
+                      <a:headEnd type="none" w="med" len="med"/>
+                      <a:tailEnd type="none" w="med" len="med"/>
+                    </a:lnB>
+                    <a:lnTlToBr w="12700" cmpd="sng">
+                      <a:noFill/>
+                      <a:prstDash val="solid"/>
+                    </a:lnTlToBr>
+                    <a:lnBlToTr w="12700" cmpd="sng">
+                      <a:noFill/>
+                      <a:prstDash val="solid"/>
+                    </a:lnBlToTr>
+                    <a:solidFill>
+                      <a:srgbClr val="FFC000"/>
+                    </a:solidFill>
+                  </a:tcPr>
+                </a:tc>
+                <a:tc>
+                  <a:txBody>
+                    <a:bodyPr/>
+                    <a:lstStyle/>
+                    <a:p>
+                      <a:pPr algn="ctr"/>
+                      <a:endParaRPr lang="en-GB" dirty="0">
+                        <a:latin typeface="+mn-lt"/>
+                      </a:endParaRPr>
+                    </a:p>
+                  </a:txBody>
+                  <a:tcPr anchor="ctr">
+                    <a:lnL w="12700" cap="flat" cmpd="sng" algn="ctr">
+                      <a:noFill/>
+                      <a:prstDash val="solid"/>
+                      <a:round/>
+                      <a:headEnd type="none" w="med" len="med"/>
+                      <a:tailEnd type="none" w="med" len="med"/>
+                    </a:lnL>
+                    <a:lnR w="12700" cap="flat" cmpd="sng" algn="ctr">
+                      <a:noFill/>
+                      <a:prstDash val="solid"/>
+                      <a:round/>
+                      <a:headEnd type="none" w="med" len="med"/>
+                      <a:tailEnd type="none" w="med" len="med"/>
+                    </a:lnR>
+                    <a:lnT w="12700" cap="flat" cmpd="sng" algn="ctr">
+                      <a:noFill/>
+                      <a:prstDash val="solid"/>
+                      <a:round/>
+                      <a:headEnd type="none" w="med" len="med"/>
+                      <a:tailEnd type="none" w="med" len="med"/>
+                    </a:lnT>
+                    <a:lnB w="12700" cap="flat" cmpd="sng" algn="ctr">
+                      <a:noFill/>
+                      <a:prstDash val="solid"/>
+                      <a:round/>
+                      <a:headEnd type="none" w="med" len="med"/>
+                      <a:tailEnd type="none" w="med" len="med"/>
+                    </a:lnB>
+                    <a:lnTlToBr w="12700" cmpd="sng">
+                      <a:noFill/>
+                      <a:prstDash val="solid"/>
+                    </a:lnTlToBr>
+                    <a:lnBlToTr w="12700" cmpd="sng">
+                      <a:noFill/>
+                      <a:prstDash val="solid"/>
+                    </a:lnBlToTr>
+                    <a:solidFill>
+                      <a:srgbClr val="FFC000"/>
+                    </a:solidFill>
+                  </a:tcPr>
+                </a:tc>
+                <a:tc>
+                  <a:txBody>
+                    <a:bodyPr/>
+                    <a:lstStyle/>
+                    <a:p>
+                      <a:pPr marL="0" algn="ctr" defTabSz="914400" rtl="0" eaLnBrk="1" latinLnBrk="0" hangingPunct="1"/>
+                      <a:r>
+                        <a:rPr lang="cs-CZ" sz="1800" b="1" kern="1200" spc="300" dirty="0">
+                          <a:solidFill>
+                            <a:schemeClr val="tx1"/>
+                          </a:solidFill>
+                          <a:latin typeface="+mn-lt"/>
+                          <a:ea typeface="+mn-ea"/>
+                          <a:cs typeface="+mn-cs"/>
+                        </a:rPr>
+                        <a:t>CHALLENGING MODEL </a:t>
+                      </a:r>
+                    </a:p>
+                  </a:txBody>
+                  <a:tcPr anchor="ctr">
+                    <a:lnL w="12700" cap="flat" cmpd="sng" algn="ctr">
+                      <a:noFill/>
+                      <a:prstDash val="solid"/>
+                      <a:round/>
+                      <a:headEnd type="none" w="med" len="med"/>
+                      <a:tailEnd type="none" w="med" len="med"/>
+                    </a:lnL>
+                    <a:lnR w="12700" cap="flat" cmpd="sng" algn="ctr">
+                      <a:noFill/>
+                      <a:prstDash val="solid"/>
+                      <a:round/>
+                      <a:headEnd type="none" w="med" len="med"/>
+                      <a:tailEnd type="none" w="med" len="med"/>
+                    </a:lnR>
+                    <a:lnT w="12700" cap="flat" cmpd="sng" algn="ctr">
+                      <a:noFill/>
+                      <a:prstDash val="solid"/>
+                      <a:round/>
+                      <a:headEnd type="none" w="med" len="med"/>
+                      <a:tailEnd type="none" w="med" len="med"/>
+                    </a:lnT>
+                    <a:lnB w="12700" cap="flat" cmpd="sng" algn="ctr">
+                      <a:noFill/>
+                      <a:prstDash val="solid"/>
+                      <a:round/>
+                      <a:headEnd type="none" w="med" len="med"/>
+                      <a:tailEnd type="none" w="med" len="med"/>
+                    </a:lnB>
+                    <a:lnTlToBr w="12700" cmpd="sng">
+                      <a:noFill/>
+                      <a:prstDash val="solid"/>
+                    </a:lnTlToBr>
+                    <a:lnBlToTr w="12700" cmpd="sng">
+                      <a:noFill/>
+                      <a:prstDash val="solid"/>
+                    </a:lnBlToTr>
+                    <a:solidFill>
+                      <a:srgbClr val="FFC000"/>
+                    </a:solidFill>
+                  </a:tcPr>
+                </a:tc>
+                <a:extLst>
+                  <a:ext uri="{0D108BD9-81ED-4DB2-BD59-A6C34878D82A}">
+                    <a16:rowId xmlns:a16="http://schemas.microsoft.com/office/drawing/2014/main" val="960142723"/>
+                  </a:ext>
+                </a:extLst>
+              </a:tr>
+              <a:tr h="648000">
+                <a:tc>
+                  <a:txBody>
+                    <a:bodyPr/>
+                    <a:lstStyle/>
+                    <a:p>
+                      <a:pPr algn="ctr"/>
+                      <a:r>
+                        <a:rPr lang="cs-CZ" sz="2400" dirty="0">
+                          <a:latin typeface="+mn-lt"/>
+                        </a:rPr>
+                        <a:t>TRAIN</a:t>
+                      </a:r>
+                      <a:endParaRPr lang="en-GB" sz="2400" dirty="0">
+                        <a:latin typeface="+mn-lt"/>
+                      </a:endParaRPr>
+                    </a:p>
+                  </a:txBody>
+                  <a:tcPr anchor="ctr">
+                    <a:lnL w="12700" cap="flat" cmpd="sng" algn="ctr">
+                      <a:solidFill>
+                        <a:schemeClr val="bg1"/>
+                      </a:solidFill>
+                      <a:prstDash val="solid"/>
+                      <a:round/>
+                      <a:headEnd type="none" w="med" len="med"/>
+                      <a:tailEnd type="none" w="med" len="med"/>
+                    </a:lnL>
+                    <a:lnR w="12700" cap="flat" cmpd="sng" algn="ctr">
+                      <a:solidFill>
+                        <a:schemeClr val="bg1"/>
+                      </a:solidFill>
+                      <a:prstDash val="solid"/>
+                      <a:round/>
+                      <a:headEnd type="none" w="med" len="med"/>
+                      <a:tailEnd type="none" w="med" len="med"/>
+                    </a:lnR>
+                    <a:lnT w="12700" cap="flat" cmpd="sng" algn="ctr">
+                      <a:noFill/>
+                      <a:prstDash val="solid"/>
+                      <a:round/>
+                      <a:headEnd type="none" w="med" len="med"/>
+                      <a:tailEnd type="none" w="med" len="med"/>
+                    </a:lnT>
+                    <a:lnB w="12700" cap="flat" cmpd="sng" algn="ctr">
+                      <a:solidFill>
+                        <a:schemeClr val="bg1"/>
+                      </a:solidFill>
+                      <a:prstDash val="solid"/>
+                      <a:round/>
+                      <a:headEnd type="none" w="med" len="med"/>
+                      <a:tailEnd type="none" w="med" len="med"/>
+                    </a:lnB>
+                    <a:noFill/>
+                  </a:tcPr>
+                </a:tc>
+                <a:tc>
+                  <a:txBody>
+                    <a:bodyPr/>
+                    <a:lstStyle/>
+                    <a:p>
+                      <a:pPr algn="ctr"/>
+                      <a:r>
+                        <a:rPr lang="cs-CZ" sz="2400" spc="300" dirty="0"/>
+                        <a:t>198,511</a:t>
+                      </a:r>
+                      <a:endParaRPr lang="en-GB" sz="2400" spc="300" dirty="0"/>
+                    </a:p>
+                  </a:txBody>
+                  <a:tcPr anchor="ctr">
+                    <a:lnL w="12700" cap="flat" cmpd="sng" algn="ctr">
+                      <a:solidFill>
+                        <a:schemeClr val="bg1"/>
+                      </a:solidFill>
+                      <a:prstDash val="solid"/>
+                      <a:round/>
+                      <a:headEnd type="none" w="med" len="med"/>
+                      <a:tailEnd type="none" w="med" len="med"/>
+                    </a:lnL>
+                    <a:lnR w="12700" cap="flat" cmpd="sng" algn="ctr">
+                      <a:solidFill>
+                        <a:schemeClr val="bg1"/>
+                      </a:solidFill>
+                      <a:prstDash val="solid"/>
+                      <a:round/>
+                      <a:headEnd type="none" w="med" len="med"/>
+                      <a:tailEnd type="none" w="med" len="med"/>
+                    </a:lnR>
+                    <a:lnT w="12700" cap="flat" cmpd="sng" algn="ctr">
+                      <a:noFill/>
+                      <a:prstDash val="solid"/>
+                      <a:round/>
+                      <a:headEnd type="none" w="med" len="med"/>
+                      <a:tailEnd type="none" w="med" len="med"/>
+                    </a:lnT>
+                    <a:lnB w="12700" cap="flat" cmpd="sng" algn="ctr">
+                      <a:solidFill>
+                        <a:schemeClr val="bg1"/>
+                      </a:solidFill>
+                      <a:prstDash val="solid"/>
+                      <a:round/>
+                      <a:headEnd type="none" w="med" len="med"/>
+                      <a:tailEnd type="none" w="med" len="med"/>
+                    </a:lnB>
+                    <a:noFill/>
+                  </a:tcPr>
+                </a:tc>
+                <a:tc>
+                  <a:txBody>
+                    <a:bodyPr/>
+                    <a:lstStyle/>
+                    <a:p>
+                      <a:pPr algn="ctr"/>
+                      <a:endParaRPr lang="en-GB" sz="2400" spc="300" dirty="0"/>
+                    </a:p>
+                  </a:txBody>
+                  <a:tcPr anchor="ctr">
+                    <a:lnL w="12700" cap="flat" cmpd="sng" algn="ctr">
+                      <a:solidFill>
+                        <a:schemeClr val="bg1"/>
+                      </a:solidFill>
+                      <a:prstDash val="solid"/>
+                      <a:round/>
+                      <a:headEnd type="none" w="med" len="med"/>
+                      <a:tailEnd type="none" w="med" len="med"/>
+                    </a:lnL>
+                    <a:lnR w="12700" cap="flat" cmpd="sng" algn="ctr">
+                      <a:solidFill>
+                        <a:schemeClr val="bg1"/>
+                      </a:solidFill>
+                      <a:prstDash val="solid"/>
+                      <a:round/>
+                      <a:headEnd type="none" w="med" len="med"/>
+                      <a:tailEnd type="none" w="med" len="med"/>
+                    </a:lnR>
+                    <a:lnT w="12700" cap="flat" cmpd="sng" algn="ctr">
+                      <a:noFill/>
+                      <a:prstDash val="solid"/>
+                      <a:round/>
+                      <a:headEnd type="none" w="med" len="med"/>
+                      <a:tailEnd type="none" w="med" len="med"/>
+                    </a:lnT>
+                    <a:lnB w="12700" cap="flat" cmpd="sng" algn="ctr">
+                      <a:solidFill>
+                        <a:schemeClr val="bg1"/>
+                      </a:solidFill>
+                      <a:prstDash val="solid"/>
+                      <a:round/>
+                      <a:headEnd type="none" w="med" len="med"/>
+                      <a:tailEnd type="none" w="med" len="med"/>
+                    </a:lnB>
+                    <a:lnTlToBr w="12700" cmpd="sng">
+                      <a:noFill/>
+                      <a:prstDash val="solid"/>
+                    </a:lnTlToBr>
+                    <a:lnBlToTr w="12700" cmpd="sng">
+                      <a:noFill/>
+                      <a:prstDash val="solid"/>
+                    </a:lnBlToTr>
+                    <a:noFill/>
+                  </a:tcPr>
+                </a:tc>
+                <a:tc>
+                  <a:txBody>
+                    <a:bodyPr/>
+                    <a:lstStyle/>
+                    <a:p>
+                      <a:pPr algn="ctr"/>
+                      <a:r>
+                        <a:rPr lang="cs-CZ" sz="2400" spc="300" dirty="0"/>
+                        <a:t>299,975</a:t>
+                      </a:r>
+                      <a:endParaRPr lang="en-GB" sz="2400" spc="300" dirty="0"/>
+                    </a:p>
+                  </a:txBody>
+                  <a:tcPr anchor="ctr">
+                    <a:lnL w="12700" cap="flat" cmpd="sng" algn="ctr">
+                      <a:solidFill>
+                        <a:schemeClr val="bg1"/>
+                      </a:solidFill>
+                      <a:prstDash val="solid"/>
+                      <a:round/>
+                      <a:headEnd type="none" w="med" len="med"/>
+                      <a:tailEnd type="none" w="med" len="med"/>
+                    </a:lnL>
+                    <a:lnR w="12700" cap="flat" cmpd="sng" algn="ctr">
+                      <a:solidFill>
+                        <a:schemeClr val="bg1"/>
+                      </a:solidFill>
+                      <a:prstDash val="solid"/>
+                      <a:round/>
+                      <a:headEnd type="none" w="med" len="med"/>
+                      <a:tailEnd type="none" w="med" len="med"/>
+                    </a:lnR>
+                    <a:lnT w="12700" cap="flat" cmpd="sng" algn="ctr">
+                      <a:noFill/>
+                      <a:prstDash val="solid"/>
+                      <a:round/>
+                      <a:headEnd type="none" w="med" len="med"/>
+                      <a:tailEnd type="none" w="med" len="med"/>
+                    </a:lnT>
+                    <a:lnB w="12700" cap="flat" cmpd="sng" algn="ctr">
+                      <a:solidFill>
+                        <a:schemeClr val="bg1"/>
+                      </a:solidFill>
+                      <a:prstDash val="solid"/>
+                      <a:round/>
+                      <a:headEnd type="none" w="med" len="med"/>
+                      <a:tailEnd type="none" w="med" len="med"/>
+                    </a:lnB>
+                    <a:noFill/>
+                  </a:tcPr>
+                </a:tc>
+                <a:extLst>
+                  <a:ext uri="{0D108BD9-81ED-4DB2-BD59-A6C34878D82A}">
+                    <a16:rowId xmlns:a16="http://schemas.microsoft.com/office/drawing/2014/main" val="2530659680"/>
+                  </a:ext>
+                </a:extLst>
+              </a:tr>
+              <a:tr h="648000">
+                <a:tc>
+                  <a:txBody>
+                    <a:bodyPr/>
+                    <a:lstStyle/>
+                    <a:p>
+                      <a:pPr algn="ctr"/>
+                      <a:r>
+                        <a:rPr lang="cs-CZ" sz="2400" dirty="0">
+                          <a:latin typeface="+mn-lt"/>
+                        </a:rPr>
+                        <a:t>TEST</a:t>
+                      </a:r>
+                      <a:endParaRPr lang="en-GB" sz="2400" dirty="0">
+                        <a:latin typeface="+mn-lt"/>
+                      </a:endParaRPr>
+                    </a:p>
+                  </a:txBody>
+                  <a:tcPr anchor="ctr">
+                    <a:lnL w="12700" cap="flat" cmpd="sng" algn="ctr">
+                      <a:solidFill>
+                        <a:schemeClr val="bg1"/>
+                      </a:solidFill>
+                      <a:prstDash val="solid"/>
+                      <a:round/>
+                      <a:headEnd type="none" w="med" len="med"/>
+                      <a:tailEnd type="none" w="med" len="med"/>
+                    </a:lnL>
+                    <a:lnR w="12700" cap="flat" cmpd="sng" algn="ctr">
+                      <a:solidFill>
+                        <a:schemeClr val="bg1"/>
+                      </a:solidFill>
+                      <a:prstDash val="solid"/>
+                      <a:round/>
+                      <a:headEnd type="none" w="med" len="med"/>
+                      <a:tailEnd type="none" w="med" len="med"/>
+                    </a:lnR>
+                    <a:lnT w="12700" cap="flat" cmpd="sng" algn="ctr">
+                      <a:solidFill>
+                        <a:schemeClr val="bg1"/>
+                      </a:solidFill>
+                      <a:prstDash val="solid"/>
+                      <a:round/>
+                      <a:headEnd type="none" w="med" len="med"/>
+                      <a:tailEnd type="none" w="med" len="med"/>
+                    </a:lnT>
+                    <a:lnB w="12700" cap="flat" cmpd="sng" algn="ctr">
+                      <a:solidFill>
+                        <a:schemeClr val="bg1"/>
+                      </a:solidFill>
+                      <a:prstDash val="solid"/>
+                      <a:round/>
+                      <a:headEnd type="none" w="med" len="med"/>
+                      <a:tailEnd type="none" w="med" len="med"/>
+                    </a:lnB>
+                    <a:noFill/>
+                  </a:tcPr>
+                </a:tc>
+                <a:tc>
+                  <a:txBody>
+                    <a:bodyPr/>
+                    <a:lstStyle/>
+                    <a:p>
+                      <a:pPr algn="ctr"/>
+                      <a:r>
+                        <a:rPr lang="cs-CZ" sz="2400" spc="300" dirty="0"/>
+                        <a:t>40,000</a:t>
+                      </a:r>
+                      <a:endParaRPr lang="en-GB" sz="2400" spc="300" dirty="0"/>
+                    </a:p>
+                  </a:txBody>
+                  <a:tcPr anchor="ctr">
+                    <a:lnL w="12700" cap="flat" cmpd="sng" algn="ctr">
+                      <a:solidFill>
+                        <a:schemeClr val="bg1"/>
+                      </a:solidFill>
+                      <a:prstDash val="solid"/>
+                      <a:round/>
+                      <a:headEnd type="none" w="med" len="med"/>
+                      <a:tailEnd type="none" w="med" len="med"/>
+                    </a:lnL>
+                    <a:lnR w="12700" cap="flat" cmpd="sng" algn="ctr">
+                      <a:solidFill>
+                        <a:schemeClr val="bg1"/>
+                      </a:solidFill>
+                      <a:prstDash val="solid"/>
+                      <a:round/>
+                      <a:headEnd type="none" w="med" len="med"/>
+                      <a:tailEnd type="none" w="med" len="med"/>
+                    </a:lnR>
+                    <a:lnT w="12700" cap="flat" cmpd="sng" algn="ctr">
+                      <a:solidFill>
+                        <a:schemeClr val="bg1"/>
+                      </a:solidFill>
+                      <a:prstDash val="solid"/>
+                      <a:round/>
+                      <a:headEnd type="none" w="med" len="med"/>
+                      <a:tailEnd type="none" w="med" len="med"/>
+                    </a:lnT>
+                    <a:lnB w="12700" cap="flat" cmpd="sng" algn="ctr">
+                      <a:solidFill>
+                        <a:schemeClr val="bg1"/>
+                      </a:solidFill>
+                      <a:prstDash val="solid"/>
+                      <a:round/>
+                      <a:headEnd type="none" w="med" len="med"/>
+                      <a:tailEnd type="none" w="med" len="med"/>
+                    </a:lnB>
+                    <a:noFill/>
+                  </a:tcPr>
+                </a:tc>
+                <a:tc>
+                  <a:txBody>
+                    <a:bodyPr/>
+                    <a:lstStyle/>
+                    <a:p>
+                      <a:pPr algn="ctr"/>
+                      <a:endParaRPr lang="en-GB" sz="2400" spc="300" dirty="0"/>
+                    </a:p>
+                  </a:txBody>
+                  <a:tcPr anchor="ctr">
+                    <a:lnL w="12700" cap="flat" cmpd="sng" algn="ctr">
+                      <a:solidFill>
+                        <a:schemeClr val="bg1"/>
+                      </a:solidFill>
+                      <a:prstDash val="solid"/>
+                      <a:round/>
+                      <a:headEnd type="none" w="med" len="med"/>
+                      <a:tailEnd type="none" w="med" len="med"/>
+                    </a:lnL>
+                    <a:lnR w="12700" cap="flat" cmpd="sng" algn="ctr">
+                      <a:solidFill>
+                        <a:schemeClr val="bg1"/>
+                      </a:solidFill>
+                      <a:prstDash val="solid"/>
+                      <a:round/>
+                      <a:headEnd type="none" w="med" len="med"/>
+                      <a:tailEnd type="none" w="med" len="med"/>
+                    </a:lnR>
+                    <a:lnT w="12700" cap="flat" cmpd="sng" algn="ctr">
+                      <a:solidFill>
+                        <a:schemeClr val="bg1"/>
+                      </a:solidFill>
+                      <a:prstDash val="solid"/>
+                      <a:round/>
+                      <a:headEnd type="none" w="med" len="med"/>
+                      <a:tailEnd type="none" w="med" len="med"/>
+                    </a:lnT>
+                    <a:lnB w="12700" cap="flat" cmpd="sng" algn="ctr">
+                      <a:solidFill>
+                        <a:schemeClr val="bg1"/>
+                      </a:solidFill>
+                      <a:prstDash val="solid"/>
+                      <a:round/>
+                      <a:headEnd type="none" w="med" len="med"/>
+                      <a:tailEnd type="none" w="med" len="med"/>
+                    </a:lnB>
+                    <a:lnTlToBr w="12700" cmpd="sng">
+                      <a:noFill/>
+                      <a:prstDash val="solid"/>
+                    </a:lnTlToBr>
+                    <a:lnBlToTr w="12700" cmpd="sng">
+                      <a:noFill/>
+                      <a:prstDash val="solid"/>
+                    </a:lnBlToTr>
+                    <a:noFill/>
+                  </a:tcPr>
+                </a:tc>
+                <a:tc>
+                  <a:txBody>
+                    <a:bodyPr/>
+                    <a:lstStyle/>
+                    <a:p>
+                      <a:pPr algn="ctr"/>
+                      <a:r>
+                        <a:rPr lang="cs-CZ" sz="2400" spc="300" dirty="0"/>
+                        <a:t>50,000</a:t>
+                      </a:r>
+                      <a:endParaRPr lang="en-GB" sz="2400" spc="300" dirty="0"/>
+                    </a:p>
+                  </a:txBody>
+                  <a:tcPr anchor="ctr">
+                    <a:lnL w="12700" cap="flat" cmpd="sng" algn="ctr">
+                      <a:solidFill>
+                        <a:schemeClr val="bg1"/>
+                      </a:solidFill>
+                      <a:prstDash val="solid"/>
+                      <a:round/>
+                      <a:headEnd type="none" w="med" len="med"/>
+                      <a:tailEnd type="none" w="med" len="med"/>
+                    </a:lnL>
+                    <a:lnR w="12700" cap="flat" cmpd="sng" algn="ctr">
+                      <a:solidFill>
+                        <a:schemeClr val="bg1"/>
+                      </a:solidFill>
+                      <a:prstDash val="solid"/>
+                      <a:round/>
+                      <a:headEnd type="none" w="med" len="med"/>
+                      <a:tailEnd type="none" w="med" len="med"/>
+                    </a:lnR>
+                    <a:lnT w="12700" cap="flat" cmpd="sng" algn="ctr">
+                      <a:solidFill>
+                        <a:schemeClr val="bg1"/>
+                      </a:solidFill>
+                      <a:prstDash val="solid"/>
+                      <a:round/>
+                      <a:headEnd type="none" w="med" len="med"/>
+                      <a:tailEnd type="none" w="med" len="med"/>
+                    </a:lnT>
+                    <a:lnB w="12700" cap="flat" cmpd="sng" algn="ctr">
+                      <a:solidFill>
+                        <a:schemeClr val="bg1"/>
+                      </a:solidFill>
+                      <a:prstDash val="solid"/>
+                      <a:round/>
+                      <a:headEnd type="none" w="med" len="med"/>
+                      <a:tailEnd type="none" w="med" len="med"/>
+                    </a:lnB>
+                    <a:noFill/>
+                  </a:tcPr>
+                </a:tc>
+                <a:extLst>
+                  <a:ext uri="{0D108BD9-81ED-4DB2-BD59-A6C34878D82A}">
+                    <a16:rowId xmlns:a16="http://schemas.microsoft.com/office/drawing/2014/main" val="1723857356"/>
+                  </a:ext>
+                </a:extLst>
+              </a:tr>
+            </a:tbl>
+          </a:graphicData>
+        </a:graphic>
+      </p:graphicFrame>
     </p:spTree>
     <p:extLst>
       <p:ext uri="{BB962C8B-B14F-4D97-AF65-F5344CB8AC3E}">
-        <p14:creationId xmlns:p14="http://schemas.microsoft.com/office/powerpoint/2010/main" val="3034353790"/>
+        <p14:creationId xmlns:p14="http://schemas.microsoft.com/office/powerpoint/2010/main" val="3515352925"/>
       </p:ext>
     </p:extLst>
   </p:cSld>
@@ -4831,6 +5836,301 @@
           <p:cNvPr id="2" name="Nadpis 1">
             <a:extLst>
               <a:ext uri="{FF2B5EF4-FFF2-40B4-BE49-F238E27FC236}">
+                <a16:creationId xmlns:a16="http://schemas.microsoft.com/office/drawing/2014/main" id="{DC236DC7-F376-493B-821A-6D6A7C6FD950}"/>
+              </a:ext>
+            </a:extLst>
+          </p:cNvPr>
+          <p:cNvSpPr>
+            <a:spLocks noGrp="1"/>
+          </p:cNvSpPr>
+          <p:nvPr>
+            <p:ph type="title"/>
+          </p:nvPr>
+        </p:nvSpPr>
+        <p:spPr/>
+        <p:txBody>
+          <a:bodyPr/>
+          <a:lstStyle/>
+          <a:p>
+            <a:r>
+              <a:rPr lang="cs-CZ" dirty="0" err="1">
+                <a:latin typeface="OCR A Extended" panose="02010509020102010303" pitchFamily="50" charset="0"/>
+              </a:rPr>
+              <a:t>Results</a:t>
+            </a:r>
+            <a:r>
+              <a:rPr lang="cs-CZ" dirty="0">
+                <a:latin typeface="OCR A Extended" panose="02010509020102010303" pitchFamily="50" charset="0"/>
+              </a:rPr>
+              <a:t>: basic model</a:t>
+            </a:r>
+            <a:endParaRPr lang="en-GB" dirty="0">
+              <a:latin typeface="OCR A Extended" panose="02010509020102010303" pitchFamily="50" charset="0"/>
+            </a:endParaRPr>
+          </a:p>
+        </p:txBody>
+      </p:sp>
+      <p:sp>
+        <p:nvSpPr>
+          <p:cNvPr id="3" name="Zástupný obsah 2">
+            <a:extLst>
+              <a:ext uri="{FF2B5EF4-FFF2-40B4-BE49-F238E27FC236}">
+                <a16:creationId xmlns:a16="http://schemas.microsoft.com/office/drawing/2014/main" id="{74283E08-0CB0-48FA-AC58-7CA6DA1EBFBE}"/>
+              </a:ext>
+            </a:extLst>
+          </p:cNvPr>
+          <p:cNvSpPr>
+            <a:spLocks noGrp="1"/>
+          </p:cNvSpPr>
+          <p:nvPr>
+            <p:ph idx="1"/>
+          </p:nvPr>
+        </p:nvSpPr>
+        <p:spPr/>
+        <p:txBody>
+          <a:bodyPr/>
+          <a:lstStyle/>
+          <a:p>
+            <a:endParaRPr lang="en-GB" dirty="0"/>
+          </a:p>
+        </p:txBody>
+      </p:sp>
+      <p:pic>
+        <p:nvPicPr>
+          <p:cNvPr id="4" name="Obrázek 3">
+            <a:extLst>
+              <a:ext uri="{FF2B5EF4-FFF2-40B4-BE49-F238E27FC236}">
+                <a16:creationId xmlns:a16="http://schemas.microsoft.com/office/drawing/2014/main" id="{0149CA79-12B2-4922-B6D2-9B5DB60E7189}"/>
+              </a:ext>
+            </a:extLst>
+          </p:cNvPr>
+          <p:cNvPicPr>
+            <a:picLocks noChangeAspect="1"/>
+          </p:cNvPicPr>
+          <p:nvPr/>
+        </p:nvPicPr>
+        <p:blipFill rotWithShape="1">
+          <a:blip r:embed="rId2">
+            <a:extLst>
+              <a:ext uri="{28A0092B-C50C-407E-A947-70E740481C1C}">
+                <a14:useLocalDpi xmlns:a14="http://schemas.microsoft.com/office/drawing/2010/main" val="0"/>
+              </a:ext>
+            </a:extLst>
+          </a:blip>
+          <a:srcRect t="71911" b="1"/>
+          <a:stretch/>
+        </p:blipFill>
+        <p:spPr>
+          <a:xfrm flipH="1" flipV="1">
+            <a:off x="95860" y="5879235"/>
+            <a:ext cx="3389400" cy="978765"/>
+          </a:xfrm>
+          <a:prstGeom prst="rect">
+            <a:avLst/>
+          </a:prstGeom>
+        </p:spPr>
+      </p:pic>
+    </p:spTree>
+    <p:extLst>
+      <p:ext uri="{BB962C8B-B14F-4D97-AF65-F5344CB8AC3E}">
+        <p14:creationId xmlns:p14="http://schemas.microsoft.com/office/powerpoint/2010/main" val="1894603301"/>
+      </p:ext>
+    </p:extLst>
+  </p:cSld>
+  <p:clrMapOvr>
+    <a:masterClrMapping/>
+  </p:clrMapOvr>
+</p:sld>
+</file>
+
+<file path=ppt/slides/slide7.xml><?xml version="1.0" encoding="utf-8"?>
+<p:sld xmlns:a="http://schemas.openxmlformats.org/drawingml/2006/main" xmlns:r="http://schemas.openxmlformats.org/officeDocument/2006/relationships" xmlns:p="http://schemas.openxmlformats.org/presentationml/2006/main">
+  <p:cSld>
+    <p:spTree>
+      <p:nvGrpSpPr>
+        <p:cNvPr id="1" name=""/>
+        <p:cNvGrpSpPr/>
+        <p:nvPr/>
+      </p:nvGrpSpPr>
+      <p:grpSpPr>
+        <a:xfrm>
+          <a:off x="0" y="0"/>
+          <a:ext cx="0" cy="0"/>
+          <a:chOff x="0" y="0"/>
+          <a:chExt cx="0" cy="0"/>
+        </a:xfrm>
+      </p:grpSpPr>
+      <p:sp>
+        <p:nvSpPr>
+          <p:cNvPr id="2" name="Nadpis 1">
+            <a:extLst>
+              <a:ext uri="{FF2B5EF4-FFF2-40B4-BE49-F238E27FC236}">
+                <a16:creationId xmlns:a16="http://schemas.microsoft.com/office/drawing/2014/main" id="{DC236DC7-F376-493B-821A-6D6A7C6FD950}"/>
+              </a:ext>
+            </a:extLst>
+          </p:cNvPr>
+          <p:cNvSpPr>
+            <a:spLocks noGrp="1"/>
+          </p:cNvSpPr>
+          <p:nvPr>
+            <p:ph type="title"/>
+          </p:nvPr>
+        </p:nvSpPr>
+        <p:spPr/>
+        <p:txBody>
+          <a:bodyPr/>
+          <a:lstStyle/>
+          <a:p>
+            <a:r>
+              <a:rPr lang="cs-CZ" dirty="0" err="1">
+                <a:latin typeface="OCR A Extended" panose="02010509020102010303" pitchFamily="50" charset="0"/>
+              </a:rPr>
+              <a:t>Results</a:t>
+            </a:r>
+            <a:r>
+              <a:rPr lang="cs-CZ" dirty="0">
+                <a:latin typeface="OCR A Extended" panose="02010509020102010303" pitchFamily="50" charset="0"/>
+              </a:rPr>
+              <a:t>: </a:t>
+            </a:r>
+            <a:r>
+              <a:rPr lang="cs-CZ" dirty="0" err="1">
+                <a:latin typeface="OCR A Extended" panose="02010509020102010303" pitchFamily="50" charset="0"/>
+              </a:rPr>
+              <a:t>challenging</a:t>
+            </a:r>
+            <a:r>
+              <a:rPr lang="cs-CZ" dirty="0">
+                <a:latin typeface="OCR A Extended" panose="02010509020102010303" pitchFamily="50" charset="0"/>
+              </a:rPr>
+              <a:t> model</a:t>
+            </a:r>
+            <a:endParaRPr lang="en-GB" dirty="0">
+              <a:latin typeface="OCR A Extended" panose="02010509020102010303" pitchFamily="50" charset="0"/>
+            </a:endParaRPr>
+          </a:p>
+        </p:txBody>
+      </p:sp>
+      <p:sp>
+        <p:nvSpPr>
+          <p:cNvPr id="3" name="Zástupný obsah 2">
+            <a:extLst>
+              <a:ext uri="{FF2B5EF4-FFF2-40B4-BE49-F238E27FC236}">
+                <a16:creationId xmlns:a16="http://schemas.microsoft.com/office/drawing/2014/main" id="{74283E08-0CB0-48FA-AC58-7CA6DA1EBFBE}"/>
+              </a:ext>
+            </a:extLst>
+          </p:cNvPr>
+          <p:cNvSpPr>
+            <a:spLocks noGrp="1"/>
+          </p:cNvSpPr>
+          <p:nvPr>
+            <p:ph idx="1"/>
+          </p:nvPr>
+        </p:nvSpPr>
+        <p:spPr/>
+        <p:txBody>
+          <a:bodyPr/>
+          <a:lstStyle/>
+          <a:p>
+            <a:endParaRPr lang="en-GB" dirty="0"/>
+          </a:p>
+        </p:txBody>
+      </p:sp>
+      <p:pic>
+        <p:nvPicPr>
+          <p:cNvPr id="4" name="Obrázek 3">
+            <a:extLst>
+              <a:ext uri="{FF2B5EF4-FFF2-40B4-BE49-F238E27FC236}">
+                <a16:creationId xmlns:a16="http://schemas.microsoft.com/office/drawing/2014/main" id="{0149CA79-12B2-4922-B6D2-9B5DB60E7189}"/>
+              </a:ext>
+            </a:extLst>
+          </p:cNvPr>
+          <p:cNvPicPr>
+            <a:picLocks noChangeAspect="1"/>
+          </p:cNvPicPr>
+          <p:nvPr/>
+        </p:nvPicPr>
+        <p:blipFill rotWithShape="1">
+          <a:blip r:embed="rId2">
+            <a:extLst>
+              <a:ext uri="{28A0092B-C50C-407E-A947-70E740481C1C}">
+                <a14:useLocalDpi xmlns:a14="http://schemas.microsoft.com/office/drawing/2010/main" val="0"/>
+              </a:ext>
+            </a:extLst>
+          </a:blip>
+          <a:srcRect t="71911" b="1"/>
+          <a:stretch/>
+        </p:blipFill>
+        <p:spPr>
+          <a:xfrm flipH="1" flipV="1">
+            <a:off x="95860" y="5879235"/>
+            <a:ext cx="3389400" cy="978765"/>
+          </a:xfrm>
+          <a:prstGeom prst="rect">
+            <a:avLst/>
+          </a:prstGeom>
+        </p:spPr>
+      </p:pic>
+    </p:spTree>
+    <p:extLst>
+      <p:ext uri="{BB962C8B-B14F-4D97-AF65-F5344CB8AC3E}">
+        <p14:creationId xmlns:p14="http://schemas.microsoft.com/office/powerpoint/2010/main" val="4284019282"/>
+      </p:ext>
+    </p:extLst>
+  </p:cSld>
+  <p:clrMapOvr>
+    <a:masterClrMapping/>
+  </p:clrMapOvr>
+</p:sld>
+</file>
+
+<file path=ppt/slides/slide8.xml><?xml version="1.0" encoding="utf-8"?>
+<p:sld xmlns:a="http://schemas.openxmlformats.org/drawingml/2006/main" xmlns:r="http://schemas.openxmlformats.org/officeDocument/2006/relationships" xmlns:p="http://schemas.openxmlformats.org/presentationml/2006/main">
+  <p:cSld>
+    <p:spTree>
+      <p:nvGrpSpPr>
+        <p:cNvPr id="1" name=""/>
+        <p:cNvGrpSpPr/>
+        <p:nvPr/>
+      </p:nvGrpSpPr>
+      <p:grpSpPr>
+        <a:xfrm>
+          <a:off x="0" y="0"/>
+          <a:ext cx="0" cy="0"/>
+          <a:chOff x="0" y="0"/>
+          <a:chExt cx="0" cy="0"/>
+        </a:xfrm>
+      </p:grpSpPr>
+      <p:sp>
+        <p:nvSpPr>
+          <p:cNvPr id="7" name="Zástupný obsah 6">
+            <a:extLst>
+              <a:ext uri="{FF2B5EF4-FFF2-40B4-BE49-F238E27FC236}">
+                <a16:creationId xmlns:a16="http://schemas.microsoft.com/office/drawing/2014/main" id="{98A4D1AB-E14A-44A6-B0C2-65872F872530}"/>
+              </a:ext>
+            </a:extLst>
+          </p:cNvPr>
+          <p:cNvSpPr>
+            <a:spLocks noGrp="1"/>
+          </p:cNvSpPr>
+          <p:nvPr>
+            <p:ph idx="1"/>
+          </p:nvPr>
+        </p:nvSpPr>
+        <p:spPr/>
+        <p:txBody>
+          <a:bodyPr/>
+          <a:lstStyle/>
+          <a:p>
+            <a:endParaRPr lang="en-GB" dirty="0"/>
+          </a:p>
+        </p:txBody>
+      </p:sp>
+      <p:sp>
+        <p:nvSpPr>
+          <p:cNvPr id="2" name="Nadpis 1">
+            <a:extLst>
+              <a:ext uri="{FF2B5EF4-FFF2-40B4-BE49-F238E27FC236}">
                 <a16:creationId xmlns:a16="http://schemas.microsoft.com/office/drawing/2014/main" id="{A4AA72BC-1808-4BB9-B765-533FFB305B41}"/>
               </a:ext>
             </a:extLst>
@@ -4861,21 +6161,19 @@
       </p:sp>
       <p:pic>
         <p:nvPicPr>
-          <p:cNvPr id="5" name="Zástupný obsah 4">
-            <a:extLst>
-              <a:ext uri="{FF2B5EF4-FFF2-40B4-BE49-F238E27FC236}">
-                <a16:creationId xmlns:a16="http://schemas.microsoft.com/office/drawing/2014/main" id="{031B614F-ECD5-42A7-A2DE-C85BABBB0FE7}"/>
+          <p:cNvPr id="4" name="Obrázek 3" descr="Obsah obrázku text, pták, snímek obrazovky&#10;&#10;Popis byl vytvořen automaticky">
+            <a:extLst>
+              <a:ext uri="{FF2B5EF4-FFF2-40B4-BE49-F238E27FC236}">
+                <a16:creationId xmlns:a16="http://schemas.microsoft.com/office/drawing/2014/main" id="{35125083-A9CC-4ED4-82BD-03BC86B2AD9A}"/>
               </a:ext>
             </a:extLst>
           </p:cNvPr>
           <p:cNvPicPr>
-            <a:picLocks noGrp="1" noChangeAspect="1"/>
+            <a:picLocks noChangeAspect="1"/>
           </p:cNvPicPr>
-          <p:nvPr>
-            <p:ph idx="1"/>
-          </p:nvPr>
+          <p:nvPr/>
         </p:nvPicPr>
-        <p:blipFill rotWithShape="1">
+        <p:blipFill>
           <a:blip r:embed="rId2">
             <a:extLst>
               <a:ext uri="{28A0092B-C50C-407E-A947-70E740481C1C}">
@@ -4883,14 +6181,18 @@
               </a:ext>
             </a:extLst>
           </a:blip>
-          <a:srcRect t="25706"/>
-          <a:stretch/>
+          <a:stretch>
+            <a:fillRect/>
+          </a:stretch>
         </p:blipFill>
         <p:spPr>
           <a:xfrm>
-            <a:off x="3439026" y="4082424"/>
-            <a:ext cx="5845652" cy="2280068"/>
+            <a:off x="3279746" y="4930775"/>
+            <a:ext cx="5867400" cy="1562100"/>
           </a:xfrm>
+          <a:prstGeom prst="rect">
+            <a:avLst/>
+          </a:prstGeom>
         </p:spPr>
       </p:pic>
     </p:spTree>
